--- a/computer_science/statistics/model/hmm/bkt/papers/deep_knowledge_tracing.pptx
+++ b/computer_science/statistics/model/hmm/bkt/papers/deep_knowledge_tracing.pptx
@@ -9,18 +9,25 @@
     <p:sldId id="257" r:id="rId3"/>
     <p:sldId id="258" r:id="rId4"/>
     <p:sldId id="259" r:id="rId5"/>
-    <p:sldId id="260" r:id="rId6"/>
-    <p:sldId id="261" r:id="rId7"/>
-    <p:sldId id="262" r:id="rId8"/>
-    <p:sldId id="263" r:id="rId9"/>
-    <p:sldId id="264" r:id="rId10"/>
-    <p:sldId id="265" r:id="rId11"/>
-    <p:sldId id="266" r:id="rId12"/>
-    <p:sldId id="267" r:id="rId13"/>
-    <p:sldId id="268" r:id="rId14"/>
-    <p:sldId id="269" r:id="rId15"/>
-    <p:sldId id="270" r:id="rId16"/>
-    <p:sldId id="271" r:id="rId17"/>
+    <p:sldId id="272" r:id="rId6"/>
+    <p:sldId id="260" r:id="rId7"/>
+    <p:sldId id="273" r:id="rId8"/>
+    <p:sldId id="261" r:id="rId9"/>
+    <p:sldId id="262" r:id="rId10"/>
+    <p:sldId id="263" r:id="rId11"/>
+    <p:sldId id="264" r:id="rId12"/>
+    <p:sldId id="274" r:id="rId13"/>
+    <p:sldId id="275" r:id="rId14"/>
+    <p:sldId id="265" r:id="rId15"/>
+    <p:sldId id="276" r:id="rId16"/>
+    <p:sldId id="266" r:id="rId17"/>
+    <p:sldId id="277" r:id="rId18"/>
+    <p:sldId id="267" r:id="rId19"/>
+    <p:sldId id="268" r:id="rId20"/>
+    <p:sldId id="278" r:id="rId21"/>
+    <p:sldId id="269" r:id="rId22"/>
+    <p:sldId id="270" r:id="rId23"/>
+    <p:sldId id="271" r:id="rId24"/>
   </p:sldIdLst>
   <p:sldSz cx="12192000" cy="6858000"/>
   <p:notesSz cx="6858000" cy="9144000"/>
@@ -119,6 +126,11 @@
       </a:defRPr>
     </a:lvl9pPr>
   </p:defaultTextStyle>
+  <p:extLst>
+    <p:ext uri="{EFAFB233-063F-42B5-8137-9DF3F51BA10A}">
+      <p15:sldGuideLst xmlns:p15="http://schemas.microsoft.com/office/powerpoint/2012/main"/>
+    </p:ext>
+  </p:extLst>
 </p:presentation>
 </file>
 
@@ -253,7 +265,7 @@
           <a:p>
             <a:fld id="{24E9ACB8-DB54-4FBF-81E3-EF732D24C436}" type="datetimeFigureOut">
               <a:rPr lang="zh-CN" altLang="en-US" smtClean="0"/>
-              <a:t>2018/12/13</a:t>
+              <a:t>2018/12/17</a:t>
             </a:fld>
             <a:endParaRPr lang="zh-CN" altLang="en-US"/>
           </a:p>
@@ -423,7 +435,7 @@
           <a:p>
             <a:fld id="{24E9ACB8-DB54-4FBF-81E3-EF732D24C436}" type="datetimeFigureOut">
               <a:rPr lang="zh-CN" altLang="en-US" smtClean="0"/>
-              <a:t>2018/12/13</a:t>
+              <a:t>2018/12/17</a:t>
             </a:fld>
             <a:endParaRPr lang="zh-CN" altLang="en-US"/>
           </a:p>
@@ -603,7 +615,7 @@
           <a:p>
             <a:fld id="{24E9ACB8-DB54-4FBF-81E3-EF732D24C436}" type="datetimeFigureOut">
               <a:rPr lang="zh-CN" altLang="en-US" smtClean="0"/>
-              <a:t>2018/12/13</a:t>
+              <a:t>2018/12/17</a:t>
             </a:fld>
             <a:endParaRPr lang="zh-CN" altLang="en-US"/>
           </a:p>
@@ -773,7 +785,7 @@
           <a:p>
             <a:fld id="{24E9ACB8-DB54-4FBF-81E3-EF732D24C436}" type="datetimeFigureOut">
               <a:rPr lang="zh-CN" altLang="en-US" smtClean="0"/>
-              <a:t>2018/12/13</a:t>
+              <a:t>2018/12/17</a:t>
             </a:fld>
             <a:endParaRPr lang="zh-CN" altLang="en-US"/>
           </a:p>
@@ -1019,7 +1031,7 @@
           <a:p>
             <a:fld id="{24E9ACB8-DB54-4FBF-81E3-EF732D24C436}" type="datetimeFigureOut">
               <a:rPr lang="zh-CN" altLang="en-US" smtClean="0"/>
-              <a:t>2018/12/13</a:t>
+              <a:t>2018/12/17</a:t>
             </a:fld>
             <a:endParaRPr lang="zh-CN" altLang="en-US"/>
           </a:p>
@@ -1251,7 +1263,7 @@
           <a:p>
             <a:fld id="{24E9ACB8-DB54-4FBF-81E3-EF732D24C436}" type="datetimeFigureOut">
               <a:rPr lang="zh-CN" altLang="en-US" smtClean="0"/>
-              <a:t>2018/12/13</a:t>
+              <a:t>2018/12/17</a:t>
             </a:fld>
             <a:endParaRPr lang="zh-CN" altLang="en-US"/>
           </a:p>
@@ -1618,7 +1630,7 @@
           <a:p>
             <a:fld id="{24E9ACB8-DB54-4FBF-81E3-EF732D24C436}" type="datetimeFigureOut">
               <a:rPr lang="zh-CN" altLang="en-US" smtClean="0"/>
-              <a:t>2018/12/13</a:t>
+              <a:t>2018/12/17</a:t>
             </a:fld>
             <a:endParaRPr lang="zh-CN" altLang="en-US"/>
           </a:p>
@@ -1736,7 +1748,7 @@
           <a:p>
             <a:fld id="{24E9ACB8-DB54-4FBF-81E3-EF732D24C436}" type="datetimeFigureOut">
               <a:rPr lang="zh-CN" altLang="en-US" smtClean="0"/>
-              <a:t>2018/12/13</a:t>
+              <a:t>2018/12/17</a:t>
             </a:fld>
             <a:endParaRPr lang="zh-CN" altLang="en-US"/>
           </a:p>
@@ -1831,7 +1843,7 @@
           <a:p>
             <a:fld id="{24E9ACB8-DB54-4FBF-81E3-EF732D24C436}" type="datetimeFigureOut">
               <a:rPr lang="zh-CN" altLang="en-US" smtClean="0"/>
-              <a:t>2018/12/13</a:t>
+              <a:t>2018/12/17</a:t>
             </a:fld>
             <a:endParaRPr lang="zh-CN" altLang="en-US"/>
           </a:p>
@@ -2108,7 +2120,7 @@
           <a:p>
             <a:fld id="{24E9ACB8-DB54-4FBF-81E3-EF732D24C436}" type="datetimeFigureOut">
               <a:rPr lang="zh-CN" altLang="en-US" smtClean="0"/>
-              <a:t>2018/12/13</a:t>
+              <a:t>2018/12/17</a:t>
             </a:fld>
             <a:endParaRPr lang="zh-CN" altLang="en-US"/>
           </a:p>
@@ -2361,7 +2373,7 @@
           <a:p>
             <a:fld id="{24E9ACB8-DB54-4FBF-81E3-EF732D24C436}" type="datetimeFigureOut">
               <a:rPr lang="zh-CN" altLang="en-US" smtClean="0"/>
-              <a:t>2018/12/13</a:t>
+              <a:t>2018/12/17</a:t>
             </a:fld>
             <a:endParaRPr lang="zh-CN" altLang="en-US"/>
           </a:p>
@@ -2574,7 +2586,7 @@
           <a:p>
             <a:fld id="{24E9ACB8-DB54-4FBF-81E3-EF732D24C436}" type="datetimeFigureOut">
               <a:rPr lang="zh-CN" altLang="en-US" smtClean="0"/>
-              <a:t>2018/12/13</a:t>
+              <a:t>2018/12/17</a:t>
             </a:fld>
             <a:endParaRPr lang="zh-CN" altLang="en-US"/>
           </a:p>
@@ -3084,7 +3096,7 @@
           <a:p>
             <a:r>
               <a:rPr lang="en-US" altLang="zh-CN" dirty="0" smtClean="0"/>
-              <a:t>Input and Output Time Series</a:t>
+              <a:t>Deep Knowledge Tracing</a:t>
             </a:r>
             <a:endParaRPr lang="zh-CN" altLang="en-US" dirty="0"/>
           </a:p>
@@ -3107,36 +3119,40 @@
           <a:p>
             <a:r>
               <a:rPr lang="en-US" altLang="zh-CN" dirty="0" smtClean="0"/>
-              <a:t>convert input vectors </a:t>
-            </a:r>
-            <a:r>
-              <a:rPr lang="en-US" altLang="zh-CN" dirty="0" err="1" smtClean="0"/>
-              <a:t>x</a:t>
-            </a:r>
-            <a:r>
-              <a:rPr lang="en-US" altLang="zh-CN" baseline="-25000" dirty="0" err="1" smtClean="0"/>
-              <a:t>t</a:t>
-            </a:r>
-            <a:r>
-              <a:rPr lang="zh-CN" altLang="en-US" baseline="-25000" dirty="0" smtClean="0"/>
-              <a:t> </a:t>
-            </a:r>
-            <a:r>
-              <a:rPr lang="zh-CN" altLang="en-US" dirty="0" smtClean="0"/>
-              <a:t> </a:t>
-            </a:r>
-            <a:r>
-              <a:rPr lang="en-US" altLang="zh-CN" dirty="0" smtClean="0"/>
-              <a:t>into a sequence of fixed length</a:t>
-            </a:r>
-            <a:endParaRPr lang="en-US" altLang="zh-CN" baseline="-25000" dirty="0"/>
+              <a:t>human learning is governed by many diverse properties, many of which are difficult to quantify</a:t>
+            </a:r>
+          </a:p>
+          <a:p>
+            <a:r>
+              <a:rPr lang="en-US" altLang="zh-CN" dirty="0" smtClean="0"/>
+              <a:t>two </a:t>
+            </a:r>
+            <a:r>
+              <a:rPr lang="en-US" altLang="zh-CN" dirty="0" smtClean="0"/>
+              <a:t>different types of RNNs:</a:t>
+            </a:r>
+          </a:p>
+          <a:p>
+            <a:pPr lvl="1"/>
+            <a:r>
+              <a:rPr lang="en-US" altLang="zh-CN" dirty="0" smtClean="0"/>
+              <a:t>a vanilla RNN model with sigmoid units</a:t>
+            </a:r>
+          </a:p>
+          <a:p>
+            <a:pPr lvl="1"/>
+            <a:r>
+              <a:rPr lang="en-US" altLang="zh-CN" dirty="0" smtClean="0"/>
+              <a:t>a Long Short Term Memory model</a:t>
+            </a:r>
+            <a:endParaRPr lang="zh-CN" altLang="en-US" dirty="0"/>
           </a:p>
         </p:txBody>
       </p:sp>
     </p:spTree>
     <p:extLst>
       <p:ext uri="{BB962C8B-B14F-4D97-AF65-F5344CB8AC3E}">
-        <p14:creationId xmlns:p14="http://schemas.microsoft.com/office/powerpoint/2010/main" val="3330620481"/>
+        <p14:creationId xmlns:p14="http://schemas.microsoft.com/office/powerpoint/2010/main" val="1624923975"/>
       </p:ext>
     </p:extLst>
   </p:cSld>
@@ -3180,7 +3196,11 @@
           <a:p>
             <a:r>
               <a:rPr lang="en-US" altLang="zh-CN" dirty="0" smtClean="0"/>
-              <a:t>Optimization</a:t>
+              <a:t>Model</a:t>
+            </a:r>
+            <a:r>
+              <a:rPr lang="en-US" altLang="zh-CN" dirty="0" smtClean="0"/>
+              <a:t>: RNNs</a:t>
             </a:r>
             <a:endParaRPr lang="zh-CN" altLang="en-US" dirty="0"/>
           </a:p>
@@ -3198,17 +3218,38 @@
         </p:nvSpPr>
         <p:spPr/>
         <p:txBody>
-          <a:bodyPr/>
-          <a:lstStyle/>
-          <a:p>
-            <a:endParaRPr lang="zh-CN" altLang="en-US" dirty="0"/>
+          <a:bodyPr>
+            <a:normAutofit/>
+          </a:bodyPr>
+          <a:lstStyle/>
+          <a:p>
+            <a:r>
+              <a:rPr lang="en-US" altLang="zh-CN" dirty="0" smtClean="0"/>
+              <a:t>x, hidden states, y</a:t>
+            </a:r>
+          </a:p>
+          <a:p>
+            <a:r>
+              <a:rPr lang="en-US" altLang="zh-CN" dirty="0" smtClean="0"/>
+              <a:t>hidden state: successive encodings of relevant information from past observations that will be useful for future predictions</a:t>
+            </a:r>
+            <a:endParaRPr lang="en-US" altLang="zh-CN" baseline="-25000" dirty="0" smtClean="0"/>
+          </a:p>
+          <a:p>
+            <a:endParaRPr lang="en-US" altLang="zh-CN" dirty="0" smtClean="0"/>
+          </a:p>
+          <a:p>
+            <a:pPr marL="0" indent="0">
+              <a:buNone/>
+            </a:pPr>
+            <a:endParaRPr lang="en-US" altLang="zh-CN" dirty="0" smtClean="0"/>
           </a:p>
         </p:txBody>
       </p:sp>
     </p:spTree>
     <p:extLst>
       <p:ext uri="{BB962C8B-B14F-4D97-AF65-F5344CB8AC3E}">
-        <p14:creationId xmlns:p14="http://schemas.microsoft.com/office/powerpoint/2010/main" val="1388047941"/>
+        <p14:creationId xmlns:p14="http://schemas.microsoft.com/office/powerpoint/2010/main" val="2013632222"/>
       </p:ext>
     </p:extLst>
   </p:cSld>
@@ -3252,52 +3293,66 @@
           <a:p>
             <a:r>
               <a:rPr lang="en-US" altLang="zh-CN" dirty="0" smtClean="0"/>
-              <a:t>Educational Applications</a:t>
+              <a:t>Model: RNNs</a:t>
             </a:r>
             <a:endParaRPr lang="zh-CN" altLang="en-US" dirty="0"/>
           </a:p>
         </p:txBody>
       </p:sp>
-      <p:sp>
-        <p:nvSpPr>
-          <p:cNvPr id="3" name="内容占位符 2"/>
-          <p:cNvSpPr>
-            <a:spLocks noGrp="1"/>
-          </p:cNvSpPr>
+      <p:pic>
+        <p:nvPicPr>
+          <p:cNvPr id="4" name="图片 3"/>
+          <p:cNvPicPr>
+            <a:picLocks noChangeAspect="1"/>
+          </p:cNvPicPr>
+          <p:nvPr/>
+        </p:nvPicPr>
+        <p:blipFill>
+          <a:blip r:embed="rId2"/>
+          <a:stretch>
+            <a:fillRect/>
+          </a:stretch>
+        </p:blipFill>
+        <p:spPr>
+          <a:xfrm>
+            <a:off x="1014369" y="1422081"/>
+            <a:ext cx="7667625" cy="3486150"/>
+          </a:xfrm>
+          <a:prstGeom prst="rect">
+            <a:avLst/>
+          </a:prstGeom>
+        </p:spPr>
+      </p:pic>
+      <p:pic>
+        <p:nvPicPr>
+          <p:cNvPr id="5" name="内容占位符 4"/>
+          <p:cNvPicPr>
+            <a:picLocks noGrp="1" noChangeAspect="1"/>
+          </p:cNvPicPr>
           <p:nvPr>
             <p:ph idx="1"/>
           </p:nvPr>
-        </p:nvSpPr>
-        <p:spPr/>
-        <p:txBody>
-          <a:bodyPr/>
-          <a:lstStyle/>
-          <a:p>
-            <a:r>
-              <a:rPr lang="en-US" altLang="zh-CN" dirty="0" smtClean="0"/>
-              <a:t>Improving Curricula</a:t>
-            </a:r>
-          </a:p>
-          <a:p>
-            <a:pPr lvl="1"/>
-            <a:r>
-              <a:rPr lang="en-US" altLang="zh-CN" dirty="0" smtClean="0"/>
-              <a:t>choosing the best sequence of learning items to present to a student.</a:t>
-            </a:r>
-          </a:p>
-          <a:p>
-            <a:r>
-              <a:rPr lang="en-US" altLang="zh-CN" dirty="0" smtClean="0"/>
-              <a:t>Discovering Exercise Relationships</a:t>
-            </a:r>
-            <a:endParaRPr lang="zh-CN" altLang="en-US" dirty="0"/>
-          </a:p>
-        </p:txBody>
-      </p:sp>
+        </p:nvPicPr>
+        <p:blipFill>
+          <a:blip r:embed="rId3"/>
+          <a:stretch>
+            <a:fillRect/>
+          </a:stretch>
+        </p:blipFill>
+        <p:spPr>
+          <a:xfrm>
+            <a:off x="575999" y="4908231"/>
+            <a:ext cx="9934575" cy="1047750"/>
+          </a:xfrm>
+          <a:prstGeom prst="rect">
+            <a:avLst/>
+          </a:prstGeom>
+        </p:spPr>
+      </p:pic>
     </p:spTree>
     <p:extLst>
       <p:ext uri="{BB962C8B-B14F-4D97-AF65-F5344CB8AC3E}">
-        <p14:creationId xmlns:p14="http://schemas.microsoft.com/office/powerpoint/2010/main" val="3409991453"/>
+        <p14:creationId xmlns:p14="http://schemas.microsoft.com/office/powerpoint/2010/main" val="3719999022"/>
       </p:ext>
     </p:extLst>
   </p:cSld>
@@ -3341,7 +3396,7 @@
           <a:p>
             <a:r>
               <a:rPr lang="en-US" altLang="zh-CN" dirty="0" smtClean="0"/>
-              <a:t>Dataset</a:t>
+              <a:t>Model: LSTM</a:t>
             </a:r>
             <a:endParaRPr lang="zh-CN" altLang="en-US" dirty="0"/>
           </a:p>
@@ -3364,32 +3419,26 @@
           <a:p>
             <a:r>
               <a:rPr lang="en-US" altLang="zh-CN" dirty="0" smtClean="0"/>
-              <a:t>Simulated Data:</a:t>
-            </a:r>
-          </a:p>
-          <a:p>
-            <a:pPr lvl="1"/>
-            <a:r>
-              <a:rPr lang="en-US" altLang="zh-CN" dirty="0" smtClean="0"/>
-              <a:t>2000 students, 50 exercises, 5 concepts</a:t>
-            </a:r>
-          </a:p>
-          <a:p>
-            <a:pPr lvl="1"/>
-            <a:r>
-              <a:rPr lang="en-US" altLang="zh-CN" dirty="0" smtClean="0"/>
-              <a:t>each student has a latent knowledge state for each concept</a:t>
-            </a:r>
-          </a:p>
-          <a:p>
-            <a:pPr lvl="1"/>
-            <a:r>
-              <a:rPr lang="en-US" altLang="zh-CN" dirty="0" smtClean="0"/>
-              <a:t>each exercise has both a single concept and a difficulty</a:t>
-            </a:r>
-          </a:p>
-          <a:p>
-            <a:pPr lvl="1"/>
+              <a:t>prove more powerful</a:t>
+            </a:r>
+          </a:p>
+          <a:p>
+            <a:r>
+              <a:rPr lang="en-US" altLang="zh-CN" dirty="0" smtClean="0"/>
+              <a:t>latent units retain their values until explicitly cleared by the action of a “forget gate”</a:t>
+            </a:r>
+          </a:p>
+          <a:p>
+            <a:r>
+              <a:rPr lang="en-US" altLang="zh-CN" dirty="0" smtClean="0"/>
+              <a:t>retain information for many time steps, which is believed to make them easier to train</a:t>
+            </a:r>
+          </a:p>
+          <a:p>
+            <a:r>
+              <a:rPr lang="en-US" altLang="zh-CN" dirty="0" smtClean="0"/>
+              <a:t>hidden units are updated using multiplicative interactions, they can perform more complicated transformations</a:t>
+            </a:r>
             <a:endParaRPr lang="zh-CN" altLang="en-US" dirty="0"/>
           </a:p>
         </p:txBody>
@@ -3397,7 +3446,7 @@
     </p:spTree>
     <p:extLst>
       <p:ext uri="{BB962C8B-B14F-4D97-AF65-F5344CB8AC3E}">
-        <p14:creationId xmlns:p14="http://schemas.microsoft.com/office/powerpoint/2010/main" val="3254769010"/>
+        <p14:creationId xmlns:p14="http://schemas.microsoft.com/office/powerpoint/2010/main" val="2361029790"/>
       </p:ext>
     </p:extLst>
   </p:cSld>
@@ -3441,7 +3490,7 @@
           <a:p>
             <a:r>
               <a:rPr lang="en-US" altLang="zh-CN" dirty="0" smtClean="0"/>
-              <a:t>Khan Academy Data</a:t>
+              <a:t>Input and Output Time Series</a:t>
             </a:r>
             <a:endParaRPr lang="zh-CN" altLang="en-US" dirty="0"/>
           </a:p>
@@ -3464,24 +3513,280 @@
           <a:p>
             <a:r>
               <a:rPr lang="en-US" altLang="zh-CN" dirty="0" smtClean="0"/>
-              <a:t>47495 students, 1.4million exercises, 69 different exercise types</a:t>
-            </a:r>
-          </a:p>
-          <a:p>
-            <a:r>
-              <a:rPr lang="en-US" altLang="zh-CN" dirty="0" smtClean="0"/>
-              <a:t>It did not contain any personal information.</a:t>
-            </a:r>
-          </a:p>
-          <a:p>
-            <a:endParaRPr lang="zh-CN" altLang="en-US" dirty="0"/>
+              <a:t>convert input vectors </a:t>
+            </a:r>
+            <a:r>
+              <a:rPr lang="en-US" altLang="zh-CN" dirty="0" err="1" smtClean="0"/>
+              <a:t>x</a:t>
+            </a:r>
+            <a:r>
+              <a:rPr lang="en-US" altLang="zh-CN" baseline="-25000" dirty="0" err="1" smtClean="0"/>
+              <a:t>t</a:t>
+            </a:r>
+            <a:r>
+              <a:rPr lang="zh-CN" altLang="en-US" baseline="-25000" dirty="0" smtClean="0"/>
+              <a:t> </a:t>
+            </a:r>
+            <a:r>
+              <a:rPr lang="zh-CN" altLang="en-US" dirty="0" smtClean="0"/>
+              <a:t> </a:t>
+            </a:r>
+            <a:r>
+              <a:rPr lang="en-US" altLang="zh-CN" dirty="0" smtClean="0"/>
+              <a:t>into a sequence of fixed </a:t>
+            </a:r>
+            <a:r>
+              <a:rPr lang="en-US" altLang="zh-CN" dirty="0" smtClean="0"/>
+              <a:t>length</a:t>
+            </a:r>
+          </a:p>
+          <a:p>
+            <a:r>
+              <a:rPr lang="en-US" altLang="zh-CN" dirty="0" smtClean="0"/>
+              <a:t>two methods:</a:t>
+            </a:r>
+            <a:endParaRPr lang="en-US" altLang="zh-CN" dirty="0"/>
+          </a:p>
+          <a:p>
+            <a:pPr lvl="1"/>
+            <a:r>
+              <a:rPr lang="en-US" altLang="zh-CN" dirty="0" smtClean="0"/>
+              <a:t>with </a:t>
+            </a:r>
+            <a:r>
+              <a:rPr lang="en-US" altLang="zh-CN" dirty="0"/>
+              <a:t>a small M of unique </a:t>
+            </a:r>
+            <a:r>
+              <a:rPr lang="en-US" altLang="zh-CN" dirty="0" smtClean="0"/>
+              <a:t>exercises: one-hot encodings</a:t>
+            </a:r>
+          </a:p>
+          <a:p>
+            <a:pPr lvl="2"/>
+            <a:r>
+              <a:rPr lang="en-US" altLang="zh-CN" dirty="0" err="1" smtClean="0"/>
+              <a:t>h</a:t>
+            </a:r>
+            <a:r>
+              <a:rPr lang="en-US" altLang="zh-CN" baseline="-25000" dirty="0" err="1" smtClean="0"/>
+              <a:t>t</a:t>
+            </a:r>
+            <a:r>
+              <a:rPr lang="en-US" altLang="zh-CN" baseline="-25000" dirty="0" smtClean="0"/>
+              <a:t> </a:t>
+            </a:r>
+            <a:r>
+              <a:rPr lang="en-US" altLang="zh-CN" dirty="0" smtClean="0"/>
+              <a:t>= { </a:t>
+            </a:r>
+            <a:r>
+              <a:rPr lang="en-US" altLang="zh-CN" dirty="0" err="1" smtClean="0"/>
+              <a:t>q</a:t>
+            </a:r>
+            <a:r>
+              <a:rPr lang="en-US" altLang="zh-CN" baseline="-25000" dirty="0" err="1" smtClean="0"/>
+              <a:t>t</a:t>
+            </a:r>
+            <a:r>
+              <a:rPr lang="en-US" altLang="zh-CN" dirty="0" smtClean="0"/>
+              <a:t>, a</a:t>
+            </a:r>
+            <a:r>
+              <a:rPr lang="en-US" altLang="zh-CN" baseline="-25000" dirty="0" smtClean="0"/>
+              <a:t>t</a:t>
+            </a:r>
+            <a:r>
+              <a:rPr lang="en-US" altLang="zh-CN" dirty="0" smtClean="0"/>
+              <a:t> }</a:t>
+            </a:r>
+            <a:endParaRPr lang="en-US" altLang="zh-CN" baseline="-25000" dirty="0"/>
+          </a:p>
+          <a:p>
+            <a:pPr lvl="2"/>
+            <a:r>
+              <a:rPr lang="en-US" altLang="zh-CN" dirty="0" err="1"/>
+              <a:t>x</a:t>
+            </a:r>
+            <a:r>
+              <a:rPr lang="en-US" altLang="zh-CN" baseline="-25000" dirty="0" err="1"/>
+              <a:t>t</a:t>
+            </a:r>
+            <a:r>
+              <a:rPr lang="en-US" altLang="zh-CN" dirty="0"/>
+              <a:t>∈{0, </a:t>
+            </a:r>
+            <a:r>
+              <a:rPr lang="en-US" altLang="zh-CN" dirty="0" smtClean="0"/>
+              <a:t>1}</a:t>
+            </a:r>
+            <a:r>
+              <a:rPr lang="en-US" altLang="zh-CN" baseline="30000" dirty="0" smtClean="0"/>
+              <a:t>2M</a:t>
+            </a:r>
+          </a:p>
+          <a:p>
+            <a:pPr lvl="2"/>
+            <a:r>
+              <a:rPr lang="en-US" altLang="zh-CN" dirty="0" smtClean="0">
+                <a:solidFill>
+                  <a:srgbClr val="FF0000"/>
+                </a:solidFill>
+              </a:rPr>
+              <a:t>having separate representations for </a:t>
+            </a:r>
+            <a:r>
+              <a:rPr lang="en-US" altLang="zh-CN" dirty="0" err="1" smtClean="0">
+                <a:solidFill>
+                  <a:srgbClr val="FF0000"/>
+                </a:solidFill>
+              </a:rPr>
+              <a:t>q</a:t>
+            </a:r>
+            <a:r>
+              <a:rPr lang="en-US" altLang="zh-CN" baseline="-25000" dirty="0" err="1" smtClean="0">
+                <a:solidFill>
+                  <a:srgbClr val="FF0000"/>
+                </a:solidFill>
+              </a:rPr>
+              <a:t>t</a:t>
+            </a:r>
+            <a:r>
+              <a:rPr lang="en-US" altLang="zh-CN" dirty="0" smtClean="0">
+                <a:solidFill>
+                  <a:srgbClr val="FF0000"/>
+                </a:solidFill>
+              </a:rPr>
+              <a:t> and a</a:t>
+            </a:r>
+            <a:r>
+              <a:rPr lang="en-US" altLang="zh-CN" baseline="-25000" dirty="0" smtClean="0">
+                <a:solidFill>
+                  <a:srgbClr val="FF0000"/>
+                </a:solidFill>
+              </a:rPr>
+              <a:t>t</a:t>
+            </a:r>
+            <a:r>
+              <a:rPr lang="en-US" altLang="zh-CN" dirty="0" smtClean="0">
+                <a:solidFill>
+                  <a:srgbClr val="FF0000"/>
+                </a:solidFill>
+              </a:rPr>
+              <a:t> degraded performance?</a:t>
+            </a:r>
+            <a:endParaRPr lang="en-US" altLang="zh-CN" dirty="0">
+              <a:solidFill>
+                <a:srgbClr val="FF0000"/>
+              </a:solidFill>
+            </a:endParaRPr>
+          </a:p>
+          <a:p>
+            <a:pPr lvl="1"/>
+            <a:r>
+              <a:rPr lang="en-US" altLang="zh-CN" dirty="0" smtClean="0"/>
+              <a:t>for large number of exercises: </a:t>
+            </a:r>
+            <a:r>
+              <a:rPr lang="en-US" altLang="zh-CN" dirty="0"/>
+              <a:t> </a:t>
+            </a:r>
+            <a:r>
+              <a:rPr lang="en-US" altLang="zh-CN" dirty="0" smtClean="0"/>
+              <a:t>random </a:t>
+            </a:r>
+            <a:r>
+              <a:rPr lang="en-US" altLang="zh-CN" dirty="0"/>
+              <a:t>vector </a:t>
+            </a:r>
+            <a:r>
+              <a:rPr lang="en-US" altLang="zh-CN" dirty="0" err="1"/>
+              <a:t>n</a:t>
+            </a:r>
+            <a:r>
+              <a:rPr lang="en-US" altLang="zh-CN" baseline="-25000" dirty="0" err="1"/>
+              <a:t>q,a</a:t>
+            </a:r>
+            <a:r>
+              <a:rPr lang="en-US" altLang="zh-CN" dirty="0"/>
+              <a:t>~ N(0, I)</a:t>
+            </a:r>
+          </a:p>
+          <a:p>
+            <a:pPr lvl="2"/>
+            <a:r>
+              <a:rPr lang="en-US" altLang="zh-CN" dirty="0" err="1"/>
+              <a:t>n</a:t>
+            </a:r>
+            <a:r>
+              <a:rPr lang="en-US" altLang="zh-CN" baseline="-25000" dirty="0" err="1"/>
+              <a:t>q,a</a:t>
+            </a:r>
+            <a:r>
+              <a:rPr lang="en-US" altLang="zh-CN" dirty="0" err="1"/>
+              <a:t>∈R</a:t>
+            </a:r>
+            <a:r>
+              <a:rPr lang="en-US" altLang="zh-CN" baseline="30000" dirty="0" err="1"/>
+              <a:t>N</a:t>
+            </a:r>
+            <a:r>
+              <a:rPr lang="en-US" altLang="zh-CN" dirty="0"/>
+              <a:t>, N &lt;&lt; M</a:t>
+            </a:r>
+          </a:p>
+          <a:p>
+            <a:pPr lvl="2"/>
+            <a:r>
+              <a:rPr lang="en-US" altLang="zh-CN" dirty="0" err="1"/>
+              <a:t>x</a:t>
+            </a:r>
+            <a:r>
+              <a:rPr lang="en-US" altLang="zh-CN" baseline="30000" dirty="0" err="1"/>
+              <a:t>t</a:t>
+            </a:r>
+            <a:r>
+              <a:rPr lang="en-US" altLang="zh-CN" dirty="0"/>
+              <a:t> = </a:t>
+            </a:r>
+            <a:r>
+              <a:rPr lang="en-US" altLang="zh-CN" dirty="0" err="1"/>
+              <a:t>n</a:t>
+            </a:r>
+            <a:r>
+              <a:rPr lang="en-US" altLang="zh-CN" baseline="-25000" dirty="0" err="1"/>
+              <a:t>qt</a:t>
+            </a:r>
+            <a:r>
+              <a:rPr lang="en-US" altLang="zh-CN" dirty="0"/>
+              <a:t>, </a:t>
+            </a:r>
+            <a:r>
+              <a:rPr lang="en-US" altLang="zh-CN" dirty="0" smtClean="0"/>
+              <a:t>a</a:t>
+            </a:r>
+            <a:r>
+              <a:rPr lang="en-US" altLang="zh-CN" baseline="-25000" dirty="0" smtClean="0"/>
+              <a:t>t</a:t>
+            </a:r>
+          </a:p>
+          <a:p>
+            <a:pPr lvl="2"/>
+            <a:r>
+              <a:rPr lang="en-US" altLang="zh-CN" dirty="0" smtClean="0"/>
+              <a:t>compressed sensing</a:t>
+            </a:r>
+            <a:endParaRPr lang="en-US" altLang="zh-CN" dirty="0"/>
+          </a:p>
+          <a:p>
+            <a:endParaRPr lang="en-US" altLang="zh-CN" baseline="-25000" dirty="0"/>
           </a:p>
         </p:txBody>
       </p:sp>
     </p:spTree>
     <p:extLst>
       <p:ext uri="{BB962C8B-B14F-4D97-AF65-F5344CB8AC3E}">
-        <p14:creationId xmlns:p14="http://schemas.microsoft.com/office/powerpoint/2010/main" val="3350597099"/>
+        <p14:creationId xmlns:p14="http://schemas.microsoft.com/office/powerpoint/2010/main" val="3330620481"/>
       </p:ext>
     </p:extLst>
   </p:cSld>
@@ -3524,8 +3829,8 @@
           <a:lstStyle/>
           <a:p>
             <a:r>
-              <a:rPr lang="en-US" altLang="zh-CN" dirty="0" smtClean="0"/>
-              <a:t>Benchmark Dataset</a:t>
+              <a:rPr lang="en-US" altLang="zh-CN" dirty="0"/>
+              <a:t>Input and Output Time Series</a:t>
             </a:r>
             <a:endParaRPr lang="zh-CN" altLang="en-US" dirty="0"/>
           </a:p>
@@ -3541,20 +3846,31 @@
             <p:ph idx="1"/>
           </p:nvPr>
         </p:nvSpPr>
-        <p:spPr>
-          <a:xfrm>
-            <a:off x="779477" y="2362521"/>
-            <a:ext cx="10515600" cy="4351338"/>
-          </a:xfrm>
-        </p:spPr>
-        <p:txBody>
-          <a:bodyPr/>
-          <a:lstStyle/>
-          <a:p>
-            <a:r>
-              <a:rPr lang="en-US" altLang="zh-CN" dirty="0" smtClean="0"/>
-              <a:t>The largest publicly available knowledge tracing dataset</a:t>
-            </a:r>
+        <p:spPr/>
+        <p:txBody>
+          <a:bodyPr/>
+          <a:lstStyle/>
+          <a:p>
+            <a:r>
+              <a:rPr lang="en-US" altLang="zh-CN" dirty="0" err="1" smtClean="0"/>
+              <a:t>y</a:t>
+            </a:r>
+            <a:r>
+              <a:rPr lang="en-US" altLang="zh-CN" baseline="-25000" dirty="0" err="1" smtClean="0"/>
+              <a:t>t</a:t>
+            </a:r>
+            <a:r>
+              <a:rPr lang="en-US" altLang="zh-CN" dirty="0" smtClean="0"/>
+              <a:t> is a vector of length equal to the number of problems</a:t>
+            </a:r>
+          </a:p>
+          <a:p>
+            <a:r>
+              <a:rPr lang="en-US" altLang="zh-CN" dirty="0" smtClean="0"/>
+              <a:t>each entry represents the predicted probability that the student would answer that particular problem correctly.</a:t>
+            </a:r>
+          </a:p>
+          <a:p>
             <a:endParaRPr lang="zh-CN" altLang="en-US" dirty="0"/>
           </a:p>
         </p:txBody>
@@ -3562,7 +3878,7 @@
     </p:spTree>
     <p:extLst>
       <p:ext uri="{BB962C8B-B14F-4D97-AF65-F5344CB8AC3E}">
-        <p14:creationId xmlns:p14="http://schemas.microsoft.com/office/powerpoint/2010/main" val="294788084"/>
+        <p14:creationId xmlns:p14="http://schemas.microsoft.com/office/powerpoint/2010/main" val="777347398"/>
       </p:ext>
     </p:extLst>
   </p:cSld>
@@ -3606,7 +3922,7 @@
           <a:p>
             <a:r>
               <a:rPr lang="en-US" altLang="zh-CN" dirty="0" smtClean="0"/>
-              <a:t>Results</a:t>
+              <a:t>Optimization</a:t>
             </a:r>
             <a:endParaRPr lang="zh-CN" altLang="en-US" dirty="0"/>
           </a:p>
@@ -3629,16 +3945,431 @@
           <a:p>
             <a:r>
               <a:rPr lang="en-US" altLang="zh-CN" dirty="0" smtClean="0"/>
-              <a:t>Khan dataset: LSTM, AUC: 0.85,</a:t>
-            </a:r>
+              <a:t>negative log likelihood of the observed sequence of student responses under the model</a:t>
+            </a:r>
+          </a:p>
+          <a:p>
+            <a:r>
+              <a:rPr lang="en-US" altLang="zh-CN" dirty="0" smtClean="0"/>
+              <a:t>δ(q</a:t>
+            </a:r>
+            <a:r>
+              <a:rPr lang="en-US" altLang="zh-CN" baseline="-25000" dirty="0" smtClean="0"/>
+              <a:t>t+1</a:t>
+            </a:r>
+            <a:r>
+              <a:rPr lang="en-US" altLang="zh-CN" dirty="0" smtClean="0"/>
+              <a:t>): the one-hot encoding of which exercise is answered at time t+1</a:t>
+            </a:r>
+          </a:p>
+          <a:p>
+            <a:r>
+              <a:rPr lang="el-GR" altLang="zh-CN" dirty="0" smtClean="0"/>
+              <a:t>ι</a:t>
+            </a:r>
+            <a:r>
+              <a:rPr lang="en-US" altLang="zh-CN" dirty="0" smtClean="0"/>
+              <a:t>: binary cross entropy</a:t>
+            </a:r>
+          </a:p>
+          <a:p>
+            <a:r>
+              <a:rPr lang="en-US" altLang="zh-CN" dirty="0" smtClean="0"/>
+              <a:t>stochastic gradient descent on mini batches</a:t>
+            </a:r>
+          </a:p>
+          <a:p>
             <a:endParaRPr lang="zh-CN" altLang="en-US" dirty="0"/>
           </a:p>
         </p:txBody>
       </p:sp>
+      <p:pic>
+        <p:nvPicPr>
+          <p:cNvPr id="5" name="图片 4"/>
+          <p:cNvPicPr>
+            <a:picLocks noChangeAspect="1"/>
+          </p:cNvPicPr>
+          <p:nvPr/>
+        </p:nvPicPr>
+        <p:blipFill>
+          <a:blip r:embed="rId2"/>
+          <a:stretch>
+            <a:fillRect/>
+          </a:stretch>
+        </p:blipFill>
+        <p:spPr>
+          <a:xfrm>
+            <a:off x="838200" y="4735104"/>
+            <a:ext cx="3314700" cy="676275"/>
+          </a:xfrm>
+          <a:prstGeom prst="rect">
+            <a:avLst/>
+          </a:prstGeom>
+        </p:spPr>
+      </p:pic>
     </p:spTree>
     <p:extLst>
       <p:ext uri="{BB962C8B-B14F-4D97-AF65-F5344CB8AC3E}">
-        <p14:creationId xmlns:p14="http://schemas.microsoft.com/office/powerpoint/2010/main" val="1641956723"/>
+        <p14:creationId xmlns:p14="http://schemas.microsoft.com/office/powerpoint/2010/main" val="1388047941"/>
+      </p:ext>
+    </p:extLst>
+  </p:cSld>
+  <p:clrMapOvr>
+    <a:masterClrMapping/>
+  </p:clrMapOvr>
+</p:sld>
+</file>
+
+<file path=ppt/slides/slide17.xml><?xml version="1.0" encoding="utf-8"?>
+<p:sld xmlns:a="http://schemas.openxmlformats.org/drawingml/2006/main" xmlns:r="http://schemas.openxmlformats.org/officeDocument/2006/relationships" xmlns:p="http://schemas.openxmlformats.org/presentationml/2006/main">
+  <p:cSld>
+    <p:spTree>
+      <p:nvGrpSpPr>
+        <p:cNvPr id="1" name=""/>
+        <p:cNvGrpSpPr/>
+        <p:nvPr/>
+      </p:nvGrpSpPr>
+      <p:grpSpPr>
+        <a:xfrm>
+          <a:off x="0" y="0"/>
+          <a:ext cx="0" cy="0"/>
+          <a:chOff x="0" y="0"/>
+          <a:chExt cx="0" cy="0"/>
+        </a:xfrm>
+      </p:grpSpPr>
+      <p:sp>
+        <p:nvSpPr>
+          <p:cNvPr id="2" name="标题 1"/>
+          <p:cNvSpPr>
+            <a:spLocks noGrp="1"/>
+          </p:cNvSpPr>
+          <p:nvPr>
+            <p:ph type="title"/>
+          </p:nvPr>
+        </p:nvSpPr>
+        <p:spPr/>
+        <p:txBody>
+          <a:bodyPr/>
+          <a:lstStyle/>
+          <a:p>
+            <a:r>
+              <a:rPr lang="en-US" altLang="zh-CN" dirty="0" smtClean="0"/>
+              <a:t>Optimization</a:t>
+            </a:r>
+            <a:endParaRPr lang="zh-CN" altLang="en-US" dirty="0"/>
+          </a:p>
+        </p:txBody>
+      </p:sp>
+      <p:sp>
+        <p:nvSpPr>
+          <p:cNvPr id="3" name="内容占位符 2"/>
+          <p:cNvSpPr>
+            <a:spLocks noGrp="1"/>
+          </p:cNvSpPr>
+          <p:nvPr>
+            <p:ph idx="1"/>
+          </p:nvPr>
+        </p:nvSpPr>
+        <p:spPr/>
+        <p:txBody>
+          <a:bodyPr/>
+          <a:lstStyle/>
+          <a:p>
+            <a:r>
+              <a:rPr lang="en-US" altLang="zh-CN" dirty="0" smtClean="0"/>
+              <a:t>dropout to </a:t>
+            </a:r>
+            <a:r>
+              <a:rPr lang="en-US" altLang="zh-CN" dirty="0" err="1" smtClean="0"/>
+              <a:t>h</a:t>
+            </a:r>
+            <a:r>
+              <a:rPr lang="en-US" altLang="zh-CN" baseline="-25000" dirty="0" err="1" smtClean="0"/>
+              <a:t>t</a:t>
+            </a:r>
+            <a:r>
+              <a:rPr lang="en-US" altLang="zh-CN" dirty="0"/>
+              <a:t> </a:t>
+            </a:r>
+            <a:r>
+              <a:rPr lang="en-US" altLang="zh-CN" dirty="0" smtClean="0"/>
+              <a:t>when computing </a:t>
+            </a:r>
+            <a:r>
+              <a:rPr lang="en-US" altLang="zh-CN" dirty="0" err="1" smtClean="0"/>
+              <a:t>y</a:t>
+            </a:r>
+            <a:r>
+              <a:rPr lang="en-US" altLang="zh-CN" baseline="-25000" dirty="0" err="1" smtClean="0"/>
+              <a:t>t</a:t>
+            </a:r>
+            <a:r>
+              <a:rPr lang="en-US" altLang="zh-CN" dirty="0" smtClean="0"/>
+              <a:t>, but not when computing the next hidden state h</a:t>
+            </a:r>
+            <a:r>
+              <a:rPr lang="en-US" altLang="zh-CN" baseline="-25000" dirty="0" smtClean="0"/>
+              <a:t>t+1</a:t>
+            </a:r>
+          </a:p>
+          <a:p>
+            <a:r>
+              <a:rPr lang="en-US" altLang="zh-CN" dirty="0" smtClean="0"/>
+              <a:t>to prevent gradients from exploding:</a:t>
+            </a:r>
+          </a:p>
+          <a:p>
+            <a:pPr lvl="1"/>
+            <a:r>
+              <a:rPr lang="en-US" altLang="zh-CN" dirty="0" err="1" smtClean="0"/>
+              <a:t>backpropagate</a:t>
+            </a:r>
+            <a:r>
+              <a:rPr lang="en-US" altLang="zh-CN" dirty="0" smtClean="0"/>
+              <a:t> through time by truncating the length of gradient whose norm is above a threshold</a:t>
+            </a:r>
+          </a:p>
+          <a:p>
+            <a:r>
+              <a:rPr lang="en-US" altLang="zh-CN" dirty="0" smtClean="0"/>
+              <a:t>consistently used hidden dimensionality of 200 and a mini-batch size of 100</a:t>
+            </a:r>
+          </a:p>
+        </p:txBody>
+      </p:sp>
+    </p:spTree>
+    <p:extLst>
+      <p:ext uri="{BB962C8B-B14F-4D97-AF65-F5344CB8AC3E}">
+        <p14:creationId xmlns:p14="http://schemas.microsoft.com/office/powerpoint/2010/main" val="3264155847"/>
+      </p:ext>
+    </p:extLst>
+  </p:cSld>
+  <p:clrMapOvr>
+    <a:masterClrMapping/>
+  </p:clrMapOvr>
+</p:sld>
+</file>
+
+<file path=ppt/slides/slide18.xml><?xml version="1.0" encoding="utf-8"?>
+<p:sld xmlns:a="http://schemas.openxmlformats.org/drawingml/2006/main" xmlns:r="http://schemas.openxmlformats.org/officeDocument/2006/relationships" xmlns:p="http://schemas.openxmlformats.org/presentationml/2006/main">
+  <p:cSld>
+    <p:spTree>
+      <p:nvGrpSpPr>
+        <p:cNvPr id="1" name=""/>
+        <p:cNvGrpSpPr/>
+        <p:nvPr/>
+      </p:nvGrpSpPr>
+      <p:grpSpPr>
+        <a:xfrm>
+          <a:off x="0" y="0"/>
+          <a:ext cx="0" cy="0"/>
+          <a:chOff x="0" y="0"/>
+          <a:chExt cx="0" cy="0"/>
+        </a:xfrm>
+      </p:grpSpPr>
+      <p:sp>
+        <p:nvSpPr>
+          <p:cNvPr id="2" name="标题 1"/>
+          <p:cNvSpPr>
+            <a:spLocks noGrp="1"/>
+          </p:cNvSpPr>
+          <p:nvPr>
+            <p:ph type="title"/>
+          </p:nvPr>
+        </p:nvSpPr>
+        <p:spPr/>
+        <p:txBody>
+          <a:bodyPr/>
+          <a:lstStyle/>
+          <a:p>
+            <a:r>
+              <a:rPr lang="en-US" altLang="zh-CN" dirty="0" smtClean="0"/>
+              <a:t>Educational Applications</a:t>
+            </a:r>
+            <a:endParaRPr lang="zh-CN" altLang="en-US" dirty="0"/>
+          </a:p>
+        </p:txBody>
+      </p:sp>
+      <p:sp>
+        <p:nvSpPr>
+          <p:cNvPr id="3" name="内容占位符 2"/>
+          <p:cNvSpPr>
+            <a:spLocks noGrp="1"/>
+          </p:cNvSpPr>
+          <p:nvPr>
+            <p:ph idx="1"/>
+          </p:nvPr>
+        </p:nvSpPr>
+        <p:spPr/>
+        <p:txBody>
+          <a:bodyPr/>
+          <a:lstStyle/>
+          <a:p>
+            <a:r>
+              <a:rPr lang="en-US" altLang="zh-CN" dirty="0" smtClean="0"/>
+              <a:t>Improving Curricula</a:t>
+            </a:r>
+          </a:p>
+          <a:p>
+            <a:pPr lvl="1"/>
+            <a:r>
+              <a:rPr lang="en-US" altLang="zh-CN" dirty="0" smtClean="0"/>
+              <a:t>choosing the best sequence of learning items to present to a student.</a:t>
+            </a:r>
+          </a:p>
+          <a:p>
+            <a:r>
+              <a:rPr lang="en-US" altLang="zh-CN" dirty="0" smtClean="0"/>
+              <a:t>Discovering Exercise </a:t>
+            </a:r>
+            <a:r>
+              <a:rPr lang="en-US" altLang="zh-CN" dirty="0" smtClean="0"/>
+              <a:t>Relationships</a:t>
+            </a:r>
+          </a:p>
+          <a:p>
+            <a:pPr lvl="1"/>
+            <a:r>
+              <a:rPr lang="en-US" altLang="zh-CN" dirty="0" smtClean="0"/>
+              <a:t>discovering latent structure or concepts in the data</a:t>
+            </a:r>
+            <a:endParaRPr lang="zh-CN" altLang="en-US" dirty="0"/>
+          </a:p>
+        </p:txBody>
+      </p:sp>
+    </p:spTree>
+    <p:extLst>
+      <p:ext uri="{BB962C8B-B14F-4D97-AF65-F5344CB8AC3E}">
+        <p14:creationId xmlns:p14="http://schemas.microsoft.com/office/powerpoint/2010/main" val="3409991453"/>
+      </p:ext>
+    </p:extLst>
+  </p:cSld>
+  <p:clrMapOvr>
+    <a:masterClrMapping/>
+  </p:clrMapOvr>
+</p:sld>
+</file>
+
+<file path=ppt/slides/slide19.xml><?xml version="1.0" encoding="utf-8"?>
+<p:sld xmlns:a="http://schemas.openxmlformats.org/drawingml/2006/main" xmlns:r="http://schemas.openxmlformats.org/officeDocument/2006/relationships" xmlns:p="http://schemas.openxmlformats.org/presentationml/2006/main">
+  <p:cSld>
+    <p:spTree>
+      <p:nvGrpSpPr>
+        <p:cNvPr id="1" name=""/>
+        <p:cNvGrpSpPr/>
+        <p:nvPr/>
+      </p:nvGrpSpPr>
+      <p:grpSpPr>
+        <a:xfrm>
+          <a:off x="0" y="0"/>
+          <a:ext cx="0" cy="0"/>
+          <a:chOff x="0" y="0"/>
+          <a:chExt cx="0" cy="0"/>
+        </a:xfrm>
+      </p:grpSpPr>
+      <p:sp>
+        <p:nvSpPr>
+          <p:cNvPr id="2" name="标题 1"/>
+          <p:cNvSpPr>
+            <a:spLocks noGrp="1"/>
+          </p:cNvSpPr>
+          <p:nvPr>
+            <p:ph type="title"/>
+          </p:nvPr>
+        </p:nvSpPr>
+        <p:spPr/>
+        <p:txBody>
+          <a:bodyPr/>
+          <a:lstStyle/>
+          <a:p>
+            <a:r>
+              <a:rPr lang="en-US" altLang="zh-CN" dirty="0" smtClean="0"/>
+              <a:t>Dataset</a:t>
+            </a:r>
+            <a:endParaRPr lang="zh-CN" altLang="en-US" dirty="0"/>
+          </a:p>
+        </p:txBody>
+      </p:sp>
+      <p:sp>
+        <p:nvSpPr>
+          <p:cNvPr id="3" name="内容占位符 2"/>
+          <p:cNvSpPr>
+            <a:spLocks noGrp="1"/>
+          </p:cNvSpPr>
+          <p:nvPr>
+            <p:ph idx="1"/>
+          </p:nvPr>
+        </p:nvSpPr>
+        <p:spPr/>
+        <p:txBody>
+          <a:bodyPr>
+            <a:normAutofit/>
+          </a:bodyPr>
+          <a:lstStyle/>
+          <a:p>
+            <a:r>
+              <a:rPr lang="en-US" altLang="zh-CN" dirty="0" smtClean="0"/>
+              <a:t>three dataset:</a:t>
+            </a:r>
+            <a:endParaRPr lang="en-US" altLang="zh-CN" dirty="0" smtClean="0"/>
+          </a:p>
+          <a:p>
+            <a:pPr lvl="1"/>
+            <a:r>
+              <a:rPr lang="en-US" altLang="zh-CN" dirty="0" smtClean="0"/>
+              <a:t>Simulated </a:t>
+            </a:r>
+            <a:r>
+              <a:rPr lang="en-US" altLang="zh-CN" dirty="0" smtClean="0"/>
+              <a:t>Data</a:t>
+            </a:r>
+            <a:r>
+              <a:rPr lang="en-US" altLang="zh-CN" dirty="0" smtClean="0"/>
+              <a:t>:</a:t>
+            </a:r>
+          </a:p>
+          <a:p>
+            <a:pPr lvl="1"/>
+            <a:r>
+              <a:rPr lang="en-US" altLang="zh-CN" dirty="0" smtClean="0"/>
+              <a:t>Khan Academy Data</a:t>
+            </a:r>
+          </a:p>
+          <a:p>
+            <a:pPr lvl="1"/>
+            <a:r>
+              <a:rPr lang="en-US" altLang="zh-CN" dirty="0" smtClean="0"/>
+              <a:t>the </a:t>
+            </a:r>
+            <a:r>
+              <a:rPr lang="en-US" altLang="zh-CN" dirty="0" err="1" smtClean="0"/>
+              <a:t>Assistments</a:t>
+            </a:r>
+            <a:r>
+              <a:rPr lang="en-US" altLang="zh-CN" dirty="0" smtClean="0"/>
+              <a:t> benchmark dataset</a:t>
+            </a:r>
+          </a:p>
+          <a:p>
+            <a:r>
+              <a:rPr lang="en-US" altLang="zh-CN" dirty="0" smtClean="0"/>
+              <a:t>for non-simulated data</a:t>
+            </a:r>
+          </a:p>
+          <a:p>
+            <a:pPr lvl="1"/>
+            <a:r>
+              <a:rPr lang="en-US" altLang="zh-CN" dirty="0" smtClean="0"/>
+              <a:t>5-fold cross validation </a:t>
+            </a:r>
+            <a:endParaRPr lang="en-US" altLang="zh-CN" dirty="0" smtClean="0"/>
+          </a:p>
+        </p:txBody>
+      </p:sp>
+    </p:spTree>
+    <p:extLst>
+      <p:ext uri="{BB962C8B-B14F-4D97-AF65-F5344CB8AC3E}">
+        <p14:creationId xmlns:p14="http://schemas.microsoft.com/office/powerpoint/2010/main" val="3254769010"/>
       </p:ext>
     </p:extLst>
   </p:cSld>
@@ -3700,18 +4431,32 @@
         </p:nvSpPr>
         <p:spPr/>
         <p:txBody>
-          <a:bodyPr/>
-          <a:lstStyle/>
-          <a:p>
-            <a:r>
-              <a:rPr lang="en-US" altLang="zh-CN" dirty="0" smtClean="0"/>
-              <a:t>using RNN to model student learning</a:t>
+          <a:bodyPr>
+            <a:normAutofit/>
+          </a:bodyPr>
+          <a:lstStyle/>
+          <a:p>
+            <a:r>
+              <a:rPr lang="en-US" altLang="zh-CN" dirty="0" smtClean="0"/>
+              <a:t>using RNN to model student </a:t>
+            </a:r>
+            <a:r>
+              <a:rPr lang="en-US" altLang="zh-CN" dirty="0" smtClean="0"/>
+              <a:t>learning</a:t>
             </a:r>
           </a:p>
           <a:p>
             <a:pPr lvl="1"/>
             <a:r>
               <a:rPr lang="en-US" altLang="zh-CN" dirty="0" smtClean="0"/>
+              <a:t>have important advantages over previous methods.</a:t>
+            </a:r>
+            <a:endParaRPr lang="en-US" altLang="zh-CN" dirty="0" smtClean="0"/>
+          </a:p>
+          <a:p>
+            <a:pPr lvl="1"/>
+            <a:r>
+              <a:rPr lang="en-US" altLang="zh-CN" dirty="0" smtClean="0"/>
               <a:t>not require the explicit encoding of human domain knowledge.</a:t>
             </a:r>
           </a:p>
@@ -3719,10 +4464,12 @@
             <a:pPr lvl="1"/>
             <a:r>
               <a:rPr lang="en-US" altLang="zh-CN" dirty="0" smtClean="0"/>
-              <a:t>can capture more complex representation of student knowledge.</a:t>
-            </a:r>
-          </a:p>
-          <a:p>
+              <a:t>can capture more complex representation of student knowledge</a:t>
+            </a:r>
+            <a:r>
+              <a:rPr lang="en-US" altLang="zh-CN" dirty="0" smtClean="0"/>
+              <a:t>.</a:t>
+            </a:r>
             <a:endParaRPr lang="en-US" altLang="zh-CN" dirty="0" smtClean="0"/>
           </a:p>
           <a:p>
@@ -3747,9 +4494,26 @@
           <a:p>
             <a:pPr lvl="1"/>
             <a:r>
-              <a:rPr lang="en-US" altLang="zh-CN" dirty="0" smtClean="0"/>
-              <a:t>straightforward interpretation</a:t>
-            </a:r>
+              <a:rPr lang="en-US" altLang="zh-CN" dirty="0" smtClean="0">
+                <a:solidFill>
+                  <a:srgbClr val="FF0000"/>
+                </a:solidFill>
+              </a:rPr>
+              <a:t>straightforward </a:t>
+            </a:r>
+            <a:r>
+              <a:rPr lang="en-US" altLang="zh-CN" dirty="0" smtClean="0">
+                <a:solidFill>
+                  <a:srgbClr val="FF0000"/>
+                </a:solidFill>
+              </a:rPr>
+              <a:t>interpretation ?</a:t>
+            </a:r>
+            <a:endParaRPr lang="en-US" altLang="zh-CN" dirty="0" smtClean="0">
+              <a:solidFill>
+                <a:srgbClr val="FF0000"/>
+              </a:solidFill>
+            </a:endParaRPr>
           </a:p>
           <a:p>
             <a:pPr lvl="1"/>
@@ -3765,6 +4529,513 @@
     <p:extLst>
       <p:ext uri="{BB962C8B-B14F-4D97-AF65-F5344CB8AC3E}">
         <p14:creationId xmlns:p14="http://schemas.microsoft.com/office/powerpoint/2010/main" val="1241310914"/>
+      </p:ext>
+    </p:extLst>
+  </p:cSld>
+  <p:clrMapOvr>
+    <a:masterClrMapping/>
+  </p:clrMapOvr>
+</p:sld>
+</file>
+
+<file path=ppt/slides/slide20.xml><?xml version="1.0" encoding="utf-8"?>
+<p:sld xmlns:a="http://schemas.openxmlformats.org/drawingml/2006/main" xmlns:r="http://schemas.openxmlformats.org/officeDocument/2006/relationships" xmlns:p="http://schemas.openxmlformats.org/presentationml/2006/main">
+  <p:cSld>
+    <p:spTree>
+      <p:nvGrpSpPr>
+        <p:cNvPr id="1" name=""/>
+        <p:cNvGrpSpPr/>
+        <p:nvPr/>
+      </p:nvGrpSpPr>
+      <p:grpSpPr>
+        <a:xfrm>
+          <a:off x="0" y="0"/>
+          <a:ext cx="0" cy="0"/>
+          <a:chOff x="0" y="0"/>
+          <a:chExt cx="0" cy="0"/>
+        </a:xfrm>
+      </p:grpSpPr>
+      <p:sp>
+        <p:nvSpPr>
+          <p:cNvPr id="2" name="标题 1"/>
+          <p:cNvSpPr>
+            <a:spLocks noGrp="1"/>
+          </p:cNvSpPr>
+          <p:nvPr>
+            <p:ph type="title"/>
+          </p:nvPr>
+        </p:nvSpPr>
+        <p:spPr/>
+        <p:txBody>
+          <a:bodyPr/>
+          <a:lstStyle/>
+          <a:p>
+            <a:r>
+              <a:rPr lang="en-US" altLang="zh-CN" dirty="0" smtClean="0"/>
+              <a:t>Simulated Data</a:t>
+            </a:r>
+            <a:endParaRPr lang="zh-CN" altLang="en-US" dirty="0"/>
+          </a:p>
+        </p:txBody>
+      </p:sp>
+      <p:sp>
+        <p:nvSpPr>
+          <p:cNvPr id="3" name="内容占位符 2"/>
+          <p:cNvSpPr>
+            <a:spLocks noGrp="1"/>
+          </p:cNvSpPr>
+          <p:nvPr>
+            <p:ph idx="1"/>
+          </p:nvPr>
+        </p:nvSpPr>
+        <p:spPr/>
+        <p:txBody>
+          <a:bodyPr/>
+          <a:lstStyle/>
+          <a:p>
+            <a:r>
+              <a:rPr lang="en-US" altLang="zh-CN" dirty="0"/>
+              <a:t>2000 students, 50 exercises, 5 concepts</a:t>
+            </a:r>
+          </a:p>
+          <a:p>
+            <a:r>
+              <a:rPr lang="en-US" altLang="zh-CN" dirty="0"/>
+              <a:t>each student has a latent knowledge state for each concept</a:t>
+            </a:r>
+          </a:p>
+          <a:p>
+            <a:r>
+              <a:rPr lang="en-US" altLang="zh-CN" dirty="0"/>
+              <a:t>each exercise has both a single concept and a </a:t>
+            </a:r>
+            <a:r>
+              <a:rPr lang="en-US" altLang="zh-CN" dirty="0" smtClean="0"/>
+              <a:t>difficulty</a:t>
+            </a:r>
+          </a:p>
+          <a:p>
+            <a:r>
+              <a:rPr lang="en-US" altLang="zh-CN" dirty="0" smtClean="0"/>
+              <a:t>skill </a:t>
+            </a:r>
+            <a:r>
+              <a:rPr lang="el-GR" altLang="zh-CN" dirty="0" smtClean="0"/>
+              <a:t>α</a:t>
+            </a:r>
+            <a:r>
+              <a:rPr lang="en-US" altLang="zh-CN" dirty="0" smtClean="0"/>
+              <a:t>, difficulty </a:t>
+            </a:r>
+            <a:r>
+              <a:rPr lang="el-GR" altLang="zh-CN" dirty="0" smtClean="0"/>
+              <a:t>β</a:t>
+            </a:r>
+            <a:endParaRPr lang="en-US" altLang="zh-CN" dirty="0" smtClean="0"/>
+          </a:p>
+          <a:p>
+            <a:pPr lvl="1"/>
+            <a:r>
+              <a:rPr lang="en-US" altLang="zh-CN" dirty="0" smtClean="0"/>
+              <a:t>Item Response Theory: p(correct</a:t>
+            </a:r>
+            <a:r>
+              <a:rPr lang="en-US" altLang="zh-CN" b="1" dirty="0" smtClean="0"/>
+              <a:t>|</a:t>
+            </a:r>
+            <a:r>
+              <a:rPr lang="el-GR" altLang="zh-CN" dirty="0"/>
+              <a:t> α</a:t>
+            </a:r>
+            <a:r>
+              <a:rPr lang="en-US" altLang="zh-CN" b="1" dirty="0" smtClean="0"/>
+              <a:t>,</a:t>
+            </a:r>
+            <a:r>
+              <a:rPr lang="el-GR" altLang="zh-CN" dirty="0"/>
+              <a:t> β</a:t>
+            </a:r>
+            <a:r>
+              <a:rPr lang="en-US" altLang="zh-CN" b="1" dirty="0" smtClean="0"/>
+              <a:t>)</a:t>
+            </a:r>
+            <a:r>
+              <a:rPr lang="en-US" altLang="zh-CN" dirty="0" smtClean="0"/>
+              <a:t> = c + </a:t>
+            </a:r>
+            <a:r>
+              <a:rPr lang="en-US" altLang="zh-CN" dirty="0"/>
+              <a:t>(</a:t>
+            </a:r>
+            <a:r>
+              <a:rPr lang="en-US" altLang="zh-CN" dirty="0" smtClean="0"/>
+              <a:t>1-c)/(1+e</a:t>
+            </a:r>
+            <a:r>
+              <a:rPr lang="en-US" altLang="zh-CN" baseline="30000" dirty="0" smtClean="0"/>
+              <a:t>-</a:t>
+            </a:r>
+            <a:r>
+              <a:rPr lang="el-GR" altLang="zh-CN" baseline="30000" dirty="0" smtClean="0"/>
+              <a:t>αβ</a:t>
+            </a:r>
+            <a:r>
+              <a:rPr lang="en-US" altLang="zh-CN" dirty="0" smtClean="0"/>
+              <a:t>)</a:t>
+            </a:r>
+          </a:p>
+          <a:p>
+            <a:pPr lvl="1"/>
+            <a:r>
+              <a:rPr lang="en-US" altLang="zh-CN" dirty="0" smtClean="0"/>
+              <a:t>c is the  probability of a random guess (0.25)</a:t>
+            </a:r>
+          </a:p>
+          <a:p>
+            <a:pPr lvl="1"/>
+            <a:r>
+              <a:rPr lang="en-US" altLang="zh-CN" dirty="0" smtClean="0"/>
+              <a:t>input: exercise index and whether answered correctly</a:t>
+            </a:r>
+          </a:p>
+          <a:p>
+            <a:pPr lvl="1"/>
+            <a:endParaRPr lang="en-US" altLang="zh-CN" dirty="0"/>
+          </a:p>
+          <a:p>
+            <a:endParaRPr lang="zh-CN" altLang="en-US" dirty="0"/>
+          </a:p>
+        </p:txBody>
+      </p:sp>
+    </p:spTree>
+    <p:extLst>
+      <p:ext uri="{BB962C8B-B14F-4D97-AF65-F5344CB8AC3E}">
+        <p14:creationId xmlns:p14="http://schemas.microsoft.com/office/powerpoint/2010/main" val="82190457"/>
+      </p:ext>
+    </p:extLst>
+  </p:cSld>
+  <p:clrMapOvr>
+    <a:masterClrMapping/>
+  </p:clrMapOvr>
+</p:sld>
+</file>
+
+<file path=ppt/slides/slide21.xml><?xml version="1.0" encoding="utf-8"?>
+<p:sld xmlns:a="http://schemas.openxmlformats.org/drawingml/2006/main" xmlns:r="http://schemas.openxmlformats.org/officeDocument/2006/relationships" xmlns:p="http://schemas.openxmlformats.org/presentationml/2006/main">
+  <p:cSld>
+    <p:spTree>
+      <p:nvGrpSpPr>
+        <p:cNvPr id="1" name=""/>
+        <p:cNvGrpSpPr/>
+        <p:nvPr/>
+      </p:nvGrpSpPr>
+      <p:grpSpPr>
+        <a:xfrm>
+          <a:off x="0" y="0"/>
+          <a:ext cx="0" cy="0"/>
+          <a:chOff x="0" y="0"/>
+          <a:chExt cx="0" cy="0"/>
+        </a:xfrm>
+      </p:grpSpPr>
+      <p:sp>
+        <p:nvSpPr>
+          <p:cNvPr id="2" name="标题 1"/>
+          <p:cNvSpPr>
+            <a:spLocks noGrp="1"/>
+          </p:cNvSpPr>
+          <p:nvPr>
+            <p:ph type="title"/>
+          </p:nvPr>
+        </p:nvSpPr>
+        <p:spPr/>
+        <p:txBody>
+          <a:bodyPr/>
+          <a:lstStyle/>
+          <a:p>
+            <a:r>
+              <a:rPr lang="en-US" altLang="zh-CN" dirty="0" smtClean="0"/>
+              <a:t>Khan Academy Data</a:t>
+            </a:r>
+            <a:endParaRPr lang="zh-CN" altLang="en-US" dirty="0"/>
+          </a:p>
+        </p:txBody>
+      </p:sp>
+      <p:sp>
+        <p:nvSpPr>
+          <p:cNvPr id="3" name="内容占位符 2"/>
+          <p:cNvSpPr>
+            <a:spLocks noGrp="1"/>
+          </p:cNvSpPr>
+          <p:nvPr>
+            <p:ph idx="1"/>
+          </p:nvPr>
+        </p:nvSpPr>
+        <p:spPr/>
+        <p:txBody>
+          <a:bodyPr/>
+          <a:lstStyle/>
+          <a:p>
+            <a:r>
+              <a:rPr lang="en-US" altLang="zh-CN" dirty="0" smtClean="0"/>
+              <a:t>47495 students, 1.4million exercises, 69 different exercise types</a:t>
+            </a:r>
+          </a:p>
+          <a:p>
+            <a:r>
+              <a:rPr lang="en-US" altLang="zh-CN" dirty="0" smtClean="0"/>
+              <a:t>It did not contain any personal information.</a:t>
+            </a:r>
+          </a:p>
+          <a:p>
+            <a:endParaRPr lang="zh-CN" altLang="en-US" dirty="0"/>
+          </a:p>
+        </p:txBody>
+      </p:sp>
+    </p:spTree>
+    <p:extLst>
+      <p:ext uri="{BB962C8B-B14F-4D97-AF65-F5344CB8AC3E}">
+        <p14:creationId xmlns:p14="http://schemas.microsoft.com/office/powerpoint/2010/main" val="3350597099"/>
+      </p:ext>
+    </p:extLst>
+  </p:cSld>
+  <p:clrMapOvr>
+    <a:masterClrMapping/>
+  </p:clrMapOvr>
+</p:sld>
+</file>
+
+<file path=ppt/slides/slide22.xml><?xml version="1.0" encoding="utf-8"?>
+<p:sld xmlns:a="http://schemas.openxmlformats.org/drawingml/2006/main" xmlns:r="http://schemas.openxmlformats.org/officeDocument/2006/relationships" xmlns:p="http://schemas.openxmlformats.org/presentationml/2006/main">
+  <p:cSld>
+    <p:spTree>
+      <p:nvGrpSpPr>
+        <p:cNvPr id="1" name=""/>
+        <p:cNvGrpSpPr/>
+        <p:nvPr/>
+      </p:nvGrpSpPr>
+      <p:grpSpPr>
+        <a:xfrm>
+          <a:off x="0" y="0"/>
+          <a:ext cx="0" cy="0"/>
+          <a:chOff x="0" y="0"/>
+          <a:chExt cx="0" cy="0"/>
+        </a:xfrm>
+      </p:grpSpPr>
+      <p:sp>
+        <p:nvSpPr>
+          <p:cNvPr id="2" name="标题 1"/>
+          <p:cNvSpPr>
+            <a:spLocks noGrp="1"/>
+          </p:cNvSpPr>
+          <p:nvPr>
+            <p:ph type="title"/>
+          </p:nvPr>
+        </p:nvSpPr>
+        <p:spPr/>
+        <p:txBody>
+          <a:bodyPr/>
+          <a:lstStyle/>
+          <a:p>
+            <a:r>
+              <a:rPr lang="en-US" altLang="zh-CN" dirty="0" smtClean="0"/>
+              <a:t>Benchmark Dataset</a:t>
+            </a:r>
+            <a:endParaRPr lang="zh-CN" altLang="en-US" dirty="0"/>
+          </a:p>
+        </p:txBody>
+      </p:sp>
+      <p:sp>
+        <p:nvSpPr>
+          <p:cNvPr id="3" name="内容占位符 2"/>
+          <p:cNvSpPr>
+            <a:spLocks noGrp="1"/>
+          </p:cNvSpPr>
+          <p:nvPr>
+            <p:ph idx="1"/>
+          </p:nvPr>
+        </p:nvSpPr>
+        <p:spPr>
+          <a:xfrm>
+            <a:off x="779477" y="2362521"/>
+            <a:ext cx="10515600" cy="4351338"/>
+          </a:xfrm>
+        </p:spPr>
+        <p:txBody>
+          <a:bodyPr/>
+          <a:lstStyle/>
+          <a:p>
+            <a:r>
+              <a:rPr lang="en-US" altLang="zh-CN" dirty="0" smtClean="0"/>
+              <a:t>The largest publicly available knowledge tracing </a:t>
+            </a:r>
+            <a:r>
+              <a:rPr lang="en-US" altLang="zh-CN" dirty="0" smtClean="0"/>
+              <a:t>dataset</a:t>
+            </a:r>
+          </a:p>
+          <a:p>
+            <a:r>
+              <a:rPr lang="en-US" altLang="zh-CN" dirty="0" smtClean="0"/>
+              <a:t>The </a:t>
+            </a:r>
+            <a:r>
+              <a:rPr lang="en-US" altLang="zh-CN" dirty="0" err="1" smtClean="0"/>
+              <a:t>Assistments</a:t>
+            </a:r>
+            <a:r>
+              <a:rPr lang="en-US" altLang="zh-CN" dirty="0" smtClean="0"/>
+              <a:t> 2009-2010 public benchmark dataset</a:t>
+            </a:r>
+            <a:endParaRPr lang="zh-CN" altLang="en-US" dirty="0"/>
+          </a:p>
+        </p:txBody>
+      </p:sp>
+    </p:spTree>
+    <p:extLst>
+      <p:ext uri="{BB962C8B-B14F-4D97-AF65-F5344CB8AC3E}">
+        <p14:creationId xmlns:p14="http://schemas.microsoft.com/office/powerpoint/2010/main" val="294788084"/>
+      </p:ext>
+    </p:extLst>
+  </p:cSld>
+  <p:clrMapOvr>
+    <a:masterClrMapping/>
+  </p:clrMapOvr>
+</p:sld>
+</file>
+
+<file path=ppt/slides/slide23.xml><?xml version="1.0" encoding="utf-8"?>
+<p:sld xmlns:a="http://schemas.openxmlformats.org/drawingml/2006/main" xmlns:r="http://schemas.openxmlformats.org/officeDocument/2006/relationships" xmlns:p="http://schemas.openxmlformats.org/presentationml/2006/main">
+  <p:cSld>
+    <p:spTree>
+      <p:nvGrpSpPr>
+        <p:cNvPr id="1" name=""/>
+        <p:cNvGrpSpPr/>
+        <p:nvPr/>
+      </p:nvGrpSpPr>
+      <p:grpSpPr>
+        <a:xfrm>
+          <a:off x="0" y="0"/>
+          <a:ext cx="0" cy="0"/>
+          <a:chOff x="0" y="0"/>
+          <a:chExt cx="0" cy="0"/>
+        </a:xfrm>
+      </p:grpSpPr>
+      <p:sp>
+        <p:nvSpPr>
+          <p:cNvPr id="2" name="标题 1"/>
+          <p:cNvSpPr>
+            <a:spLocks noGrp="1"/>
+          </p:cNvSpPr>
+          <p:nvPr>
+            <p:ph type="title"/>
+          </p:nvPr>
+        </p:nvSpPr>
+        <p:spPr>
+          <a:xfrm>
+            <a:off x="838200" y="500062"/>
+            <a:ext cx="10515600" cy="1325563"/>
+          </a:xfrm>
+        </p:spPr>
+        <p:txBody>
+          <a:bodyPr/>
+          <a:lstStyle/>
+          <a:p>
+            <a:r>
+              <a:rPr lang="en-US" altLang="zh-CN" dirty="0" smtClean="0"/>
+              <a:t>Results</a:t>
+            </a:r>
+            <a:endParaRPr lang="zh-CN" altLang="en-US" dirty="0"/>
+          </a:p>
+        </p:txBody>
+      </p:sp>
+      <p:sp>
+        <p:nvSpPr>
+          <p:cNvPr id="3" name="内容占位符 2"/>
+          <p:cNvSpPr>
+            <a:spLocks noGrp="1"/>
+          </p:cNvSpPr>
+          <p:nvPr>
+            <p:ph idx="1"/>
+          </p:nvPr>
+        </p:nvSpPr>
+        <p:spPr/>
+        <p:txBody>
+          <a:bodyPr/>
+          <a:lstStyle/>
+          <a:p>
+            <a:r>
+              <a:rPr lang="en-US" altLang="zh-CN" dirty="0" smtClean="0"/>
+              <a:t>On all three dataset, DKT substantially outperformed previous models</a:t>
+            </a:r>
+          </a:p>
+          <a:p>
+            <a:r>
+              <a:rPr lang="en-US" altLang="zh-CN" dirty="0" smtClean="0"/>
+              <a:t>Khan </a:t>
+            </a:r>
+            <a:r>
+              <a:rPr lang="en-US" altLang="zh-CN" dirty="0" smtClean="0"/>
+              <a:t>dataset: </a:t>
+            </a:r>
+            <a:r>
+              <a:rPr lang="en-US" altLang="zh-CN" dirty="0" smtClean="0"/>
+              <a:t>AUC: LSTM</a:t>
+            </a:r>
+            <a:r>
+              <a:rPr lang="en-US" altLang="zh-CN" dirty="0"/>
+              <a:t>,</a:t>
+            </a:r>
+            <a:r>
+              <a:rPr lang="en-US" altLang="zh-CN" dirty="0" smtClean="0"/>
+              <a:t> 0.85</a:t>
+            </a:r>
+            <a:r>
+              <a:rPr lang="en-US" altLang="zh-CN" dirty="0"/>
+              <a:t>;</a:t>
+            </a:r>
+            <a:r>
+              <a:rPr lang="en-US" altLang="zh-CN" dirty="0" smtClean="0"/>
+              <a:t> BKT, 0.68; </a:t>
+            </a:r>
+            <a:r>
+              <a:rPr lang="en-US" altLang="zh-CN" dirty="0" smtClean="0">
+                <a:solidFill>
+                  <a:srgbClr val="FF0000"/>
+                </a:solidFill>
+              </a:rPr>
+              <a:t>Baseline, 0.63?</a:t>
+            </a:r>
+          </a:p>
+          <a:p>
+            <a:r>
+              <a:rPr lang="en-US" altLang="zh-CN" dirty="0" err="1" smtClean="0"/>
+              <a:t>Assistments</a:t>
+            </a:r>
+            <a:r>
+              <a:rPr lang="en-US" altLang="zh-CN" dirty="0" smtClean="0"/>
+              <a:t> dataset: DKT has a 25% gain, 0.69-&gt; 0.86</a:t>
+            </a:r>
+          </a:p>
+          <a:p>
+            <a:endParaRPr lang="en-US" altLang="zh-CN" dirty="0" smtClean="0">
+              <a:solidFill>
+                <a:srgbClr val="FF0000"/>
+              </a:solidFill>
+            </a:endParaRPr>
+          </a:p>
+          <a:p>
+            <a:endParaRPr lang="zh-CN" altLang="en-US" dirty="0">
+              <a:solidFill>
+                <a:srgbClr val="FF0000"/>
+              </a:solidFill>
+            </a:endParaRPr>
+          </a:p>
+        </p:txBody>
+      </p:sp>
+    </p:spTree>
+    <p:extLst>
+      <p:ext uri="{BB962C8B-B14F-4D97-AF65-F5344CB8AC3E}">
+        <p14:creationId xmlns:p14="http://schemas.microsoft.com/office/powerpoint/2010/main" val="1641956723"/>
       </p:ext>
     </p:extLst>
   </p:cSld>
@@ -3831,30 +5102,76 @@
           <a:p>
             <a:r>
               <a:rPr lang="en-US" altLang="zh-CN" dirty="0" smtClean="0"/>
-              <a:t>The main contributions of this work are:</a:t>
+              <a:t>DKT</a:t>
             </a:r>
           </a:p>
           <a:p>
             <a:pPr lvl="1"/>
             <a:r>
               <a:rPr lang="en-US" altLang="zh-CN" dirty="0" smtClean="0"/>
+              <a:t>using large vectors of artificial neurons</a:t>
+            </a:r>
+          </a:p>
+          <a:p>
+            <a:pPr lvl="1"/>
+            <a:r>
+              <a:rPr lang="en-US" altLang="zh-CN" dirty="0" smtClean="0"/>
+              <a:t>allows the latent variable represent knowledge to be learned from data rather than </a:t>
+            </a:r>
+            <a:r>
+              <a:rPr lang="en-US" altLang="zh-CN" dirty="0" smtClean="0">
+                <a:solidFill>
+                  <a:srgbClr val="FF0000"/>
+                </a:solidFill>
+              </a:rPr>
+              <a:t>hard-coded?</a:t>
+            </a:r>
+            <a:endParaRPr lang="en-US" altLang="zh-CN" dirty="0" smtClean="0">
+              <a:solidFill>
+                <a:srgbClr val="FF0000"/>
+              </a:solidFill>
+            </a:endParaRPr>
+          </a:p>
+          <a:p>
+            <a:r>
+              <a:rPr lang="en-US" altLang="zh-CN" dirty="0" smtClean="0"/>
+              <a:t>The </a:t>
+            </a:r>
+            <a:r>
+              <a:rPr lang="en-US" altLang="zh-CN" dirty="0" smtClean="0"/>
+              <a:t>main contributions of this work are:</a:t>
+            </a:r>
+          </a:p>
+          <a:p>
+            <a:pPr lvl="1"/>
+            <a:r>
+              <a:rPr lang="en-US" altLang="zh-CN" dirty="0" smtClean="0"/>
               <a:t>a novel application of </a:t>
             </a:r>
             <a:r>
-              <a:rPr lang="en-US" altLang="zh-CN" dirty="0" err="1" smtClean="0"/>
-              <a:t>rnn</a:t>
-            </a:r>
-            <a:r>
-              <a:rPr lang="en-US" altLang="zh-CN" dirty="0" smtClean="0"/>
-              <a:t> to tracing student knowledge</a:t>
+              <a:rPr lang="en-US" altLang="zh-CN" dirty="0" smtClean="0"/>
+              <a:t>RNN</a:t>
+            </a:r>
+            <a:r>
+              <a:rPr lang="en-US" altLang="zh-CN" dirty="0" smtClean="0"/>
+              <a:t> </a:t>
+            </a:r>
+            <a:r>
+              <a:rPr lang="en-US" altLang="zh-CN" dirty="0" smtClean="0"/>
+              <a:t>to tracing student knowledge</a:t>
             </a:r>
           </a:p>
           <a:p>
             <a:pPr lvl="1"/>
             <a:r>
               <a:rPr lang="en-US" altLang="zh-CN" dirty="0" smtClean="0"/>
-              <a:t>a 25% gain in AUC</a:t>
-            </a:r>
+              <a:t>a 25% gain in </a:t>
+            </a:r>
+            <a:r>
+              <a:rPr lang="en-US" altLang="zh-CN" dirty="0" smtClean="0"/>
+              <a:t>AUC over the best previous result</a:t>
+            </a:r>
+            <a:endParaRPr lang="en-US" altLang="zh-CN" dirty="0" smtClean="0"/>
           </a:p>
           <a:p>
             <a:pPr lvl="1"/>
@@ -3941,7 +5258,62 @@
           <a:bodyPr/>
           <a:lstStyle/>
           <a:p>
-            <a:endParaRPr lang="zh-CN" altLang="en-US"/>
+            <a:r>
+              <a:rPr lang="en-US" altLang="zh-CN" dirty="0" smtClean="0"/>
+              <a:t>given observations of interactions x</a:t>
+            </a:r>
+            <a:r>
+              <a:rPr lang="en-US" altLang="zh-CN" baseline="-25000" dirty="0" smtClean="0"/>
+              <a:t>0</a:t>
+            </a:r>
+            <a:r>
+              <a:rPr lang="en-US" altLang="zh-CN" dirty="0" smtClean="0"/>
+              <a:t>…</a:t>
+            </a:r>
+            <a:r>
+              <a:rPr lang="en-US" altLang="zh-CN" dirty="0" err="1" smtClean="0"/>
+              <a:t>x</a:t>
+            </a:r>
+            <a:r>
+              <a:rPr lang="en-US" altLang="zh-CN" baseline="-25000" dirty="0" err="1" smtClean="0"/>
+              <a:t>t</a:t>
+            </a:r>
+            <a:r>
+              <a:rPr lang="en-US" altLang="zh-CN" dirty="0" smtClean="0"/>
+              <a:t> taken by a student on a particular task</a:t>
+            </a:r>
+          </a:p>
+          <a:p>
+            <a:r>
+              <a:rPr lang="en-US" altLang="zh-CN" dirty="0" smtClean="0"/>
+              <a:t>predict aspects of their next interaction x</a:t>
+            </a:r>
+            <a:r>
+              <a:rPr lang="en-US" altLang="zh-CN" baseline="-25000" dirty="0" smtClean="0"/>
+              <a:t>t+1</a:t>
+            </a:r>
+          </a:p>
+          <a:p>
+            <a:endParaRPr lang="en-US" altLang="zh-CN" baseline="-25000" dirty="0" smtClean="0"/>
+          </a:p>
+          <a:p>
+            <a:r>
+              <a:rPr lang="en-US" altLang="zh-CN" dirty="0" smtClean="0"/>
+              <a:t>not need exercise tags</a:t>
+            </a:r>
+          </a:p>
+          <a:p>
+            <a:r>
+              <a:rPr lang="en-US" altLang="zh-CN" dirty="0" smtClean="0">
+                <a:solidFill>
+                  <a:srgbClr val="FF0000"/>
+                </a:solidFill>
+              </a:rPr>
+              <a:t>can autonomously learn content substructure</a:t>
+            </a:r>
+          </a:p>
+          <a:p>
+            <a:endParaRPr lang="zh-CN" altLang="en-US" dirty="0"/>
           </a:p>
         </p:txBody>
       </p:sp>
@@ -3992,7 +5364,7 @@
           <a:p>
             <a:r>
               <a:rPr lang="en-US" altLang="zh-CN" dirty="0" smtClean="0"/>
-              <a:t>Bayesian Knowledge Tracing</a:t>
+              <a:t>Related Work</a:t>
             </a:r>
             <a:endParaRPr lang="zh-CN" altLang="en-US" dirty="0"/>
           </a:p>
@@ -4013,6 +5385,10 @@
           <a:bodyPr/>
           <a:lstStyle/>
           <a:p>
+            <a:r>
+              <a:rPr lang="en-US" altLang="zh-CN" dirty="0" smtClean="0"/>
+              <a:t>the human mind, and its learning process, are recursive and driven by analogy</a:t>
+            </a:r>
             <a:endParaRPr lang="zh-CN" altLang="en-US" dirty="0"/>
           </a:p>
         </p:txBody>
@@ -4020,7 +5396,7 @@
     </p:spTree>
     <p:extLst>
       <p:ext uri="{BB962C8B-B14F-4D97-AF65-F5344CB8AC3E}">
-        <p14:creationId xmlns:p14="http://schemas.microsoft.com/office/powerpoint/2010/main" val="1374520234"/>
+        <p14:creationId xmlns:p14="http://schemas.microsoft.com/office/powerpoint/2010/main" val="3068902928"/>
       </p:ext>
     </p:extLst>
   </p:cSld>
@@ -4064,7 +5440,7 @@
           <a:p>
             <a:r>
               <a:rPr lang="en-US" altLang="zh-CN" dirty="0" smtClean="0"/>
-              <a:t>Other Dynamic Probabilistic Models</a:t>
+              <a:t>Bayesian Knowledge Tracing</a:t>
             </a:r>
             <a:endParaRPr lang="zh-CN" altLang="en-US" dirty="0"/>
           </a:p>
@@ -4082,21 +5458,83 @@
         </p:nvSpPr>
         <p:spPr/>
         <p:txBody>
-          <a:bodyPr/>
-          <a:lstStyle/>
-          <a:p>
-            <a:r>
-              <a:rPr lang="en-US" altLang="zh-CN" dirty="0" smtClean="0"/>
-              <a:t>require accurate concept labeling</a:t>
-            </a:r>
-            <a:endParaRPr lang="zh-CN" altLang="en-US" dirty="0"/>
+          <a:bodyPr>
+            <a:normAutofit/>
+          </a:bodyPr>
+          <a:lstStyle/>
+          <a:p>
+            <a:r>
+              <a:rPr lang="en-US" altLang="zh-CN" dirty="0" smtClean="0"/>
+              <a:t>the most popular approach for building temporal models of student learning</a:t>
+            </a:r>
+          </a:p>
+          <a:p>
+            <a:r>
+              <a:rPr lang="en-US" altLang="zh-CN" dirty="0" smtClean="0"/>
+              <a:t>use binary data represent known and unknown</a:t>
+            </a:r>
+            <a:endParaRPr lang="en-US" altLang="zh-CN" dirty="0" smtClean="0"/>
+          </a:p>
+          <a:p>
+            <a:r>
+              <a:rPr lang="en-US" altLang="zh-CN" dirty="0" smtClean="0"/>
+              <a:t>never forget</a:t>
+            </a:r>
+          </a:p>
+          <a:p>
+            <a:r>
+              <a:rPr lang="en-US" altLang="zh-CN" dirty="0" smtClean="0">
+                <a:solidFill>
+                  <a:srgbClr val="FF0000"/>
+                </a:solidFill>
+              </a:rPr>
+              <a:t>recent extensions: </a:t>
+            </a:r>
+          </a:p>
+          <a:p>
+            <a:pPr lvl="1"/>
+            <a:r>
+              <a:rPr lang="en-US" altLang="zh-CN" dirty="0" smtClean="0">
+                <a:solidFill>
+                  <a:srgbClr val="FF0000"/>
+                </a:solidFill>
+              </a:rPr>
+              <a:t>contextualization of guessing and slipping estimates</a:t>
+            </a:r>
+          </a:p>
+          <a:p>
+            <a:pPr lvl="1"/>
+            <a:r>
+              <a:rPr lang="en-US" altLang="zh-CN" dirty="0" smtClean="0">
+                <a:solidFill>
+                  <a:srgbClr val="FF0000"/>
+                </a:solidFill>
+              </a:rPr>
+              <a:t>estimating prior knowledge for individual learners</a:t>
+            </a:r>
+          </a:p>
+          <a:p>
+            <a:pPr lvl="1"/>
+            <a:r>
+              <a:rPr lang="en-US" altLang="zh-CN" dirty="0" smtClean="0">
+                <a:solidFill>
+                  <a:srgbClr val="FF0000"/>
+                </a:solidFill>
+              </a:rPr>
+              <a:t>estimating problem difficulty</a:t>
+            </a:r>
+            <a:endParaRPr lang="zh-CN" altLang="en-US" dirty="0">
+              <a:solidFill>
+                <a:srgbClr val="FF0000"/>
+              </a:solidFill>
+            </a:endParaRPr>
           </a:p>
         </p:txBody>
       </p:sp>
     </p:spTree>
     <p:extLst>
       <p:ext uri="{BB962C8B-B14F-4D97-AF65-F5344CB8AC3E}">
-        <p14:creationId xmlns:p14="http://schemas.microsoft.com/office/powerpoint/2010/main" val="3438701947"/>
+        <p14:creationId xmlns:p14="http://schemas.microsoft.com/office/powerpoint/2010/main" val="1374520234"/>
       </p:ext>
     </p:extLst>
   </p:cSld>
@@ -4140,7 +5578,7 @@
           <a:p>
             <a:r>
               <a:rPr lang="en-US" altLang="zh-CN" dirty="0" smtClean="0"/>
-              <a:t>Recurrent Neural Networks</a:t>
+              <a:t>Bayesian Knowledge Tracing</a:t>
             </a:r>
             <a:endParaRPr lang="zh-CN" altLang="en-US" dirty="0"/>
           </a:p>
@@ -4156,41 +5594,57 @@
             <p:ph idx="1"/>
           </p:nvPr>
         </p:nvSpPr>
-        <p:spPr/>
-        <p:txBody>
-          <a:bodyPr/>
-          <a:lstStyle/>
-          <a:p>
-            <a:r>
-              <a:rPr lang="en-US" altLang="zh-CN" dirty="0" smtClean="0"/>
-              <a:t>flexible dynamic models</a:t>
-            </a:r>
-          </a:p>
-          <a:p>
-            <a:r>
-              <a:rPr lang="en-US" altLang="zh-CN" dirty="0" smtClean="0"/>
-              <a:t>connect artificial neurons over times</a:t>
-            </a:r>
-          </a:p>
-          <a:p>
-            <a:r>
-              <a:rPr lang="en-US" altLang="zh-CN" dirty="0" smtClean="0"/>
-              <a:t>hmm models are also dynamic, RNNs have a high dimensional, continuous, representation of latent state.</a:t>
-            </a:r>
-          </a:p>
-          <a:p>
-            <a:r>
-              <a:rPr lang="en-US" altLang="zh-CN" dirty="0" smtClean="0"/>
-              <a:t>RNNs can use information from an input in a prediction at a much later point in time.</a:t>
-            </a:r>
-            <a:endParaRPr lang="zh-CN" altLang="en-US" dirty="0"/>
+        <p:spPr>
+          <a:xfrm>
+            <a:off x="838200" y="1817236"/>
+            <a:ext cx="10515600" cy="4351338"/>
+          </a:xfrm>
+        </p:spPr>
+        <p:txBody>
+          <a:bodyPr/>
+          <a:lstStyle/>
+          <a:p>
+            <a:r>
+              <a:rPr lang="en-US" altLang="zh-CN" dirty="0" smtClean="0"/>
+              <a:t>several difficulties:</a:t>
+            </a:r>
+          </a:p>
+          <a:p>
+            <a:pPr lvl="1"/>
+            <a:r>
+              <a:rPr lang="en-US" altLang="zh-CN" dirty="0" smtClean="0"/>
+              <a:t>the binary representation may be unrealistic</a:t>
+            </a:r>
+          </a:p>
+          <a:p>
+            <a:pPr lvl="1"/>
+            <a:r>
+              <a:rPr lang="en-US" altLang="zh-CN" dirty="0" smtClean="0"/>
+              <a:t>the meaning of the hidden variables and their mappings onto exercises can be ambiguous, rarely meeting the model’s expectation of a single concept per exercise</a:t>
+            </a:r>
+          </a:p>
+          <a:p>
+            <a:pPr lvl="1"/>
+            <a:r>
+              <a:rPr lang="en-US" altLang="zh-CN" dirty="0" smtClean="0">
+                <a:solidFill>
+                  <a:srgbClr val="FF0000"/>
+                </a:solidFill>
+              </a:rPr>
+              <a:t>the binary response data used to model transitions imposes a limit on the kinds of exercises that can be modeled?</a:t>
+            </a:r>
+            <a:endParaRPr lang="zh-CN" altLang="en-US" dirty="0">
+              <a:solidFill>
+                <a:srgbClr val="FF0000"/>
+              </a:solidFill>
+            </a:endParaRPr>
           </a:p>
         </p:txBody>
       </p:sp>
     </p:spTree>
     <p:extLst>
       <p:ext uri="{BB962C8B-B14F-4D97-AF65-F5344CB8AC3E}">
-        <p14:creationId xmlns:p14="http://schemas.microsoft.com/office/powerpoint/2010/main" val="886762041"/>
+        <p14:creationId xmlns:p14="http://schemas.microsoft.com/office/powerpoint/2010/main" val="3586107380"/>
       </p:ext>
     </p:extLst>
   </p:cSld>
@@ -4234,7 +5688,7 @@
           <a:p>
             <a:r>
               <a:rPr lang="en-US" altLang="zh-CN" dirty="0" smtClean="0"/>
-              <a:t>Deep Knowledge Tracing</a:t>
+              <a:t>Other Dynamic Probabilistic Models</a:t>
             </a:r>
             <a:endParaRPr lang="zh-CN" altLang="en-US" dirty="0"/>
           </a:p>
@@ -4250,28 +5704,102 @@
             <p:ph idx="1"/>
           </p:nvPr>
         </p:nvSpPr>
-        <p:spPr/>
-        <p:txBody>
-          <a:bodyPr/>
-          <a:lstStyle/>
-          <a:p>
-            <a:r>
-              <a:rPr lang="en-US" altLang="zh-CN" dirty="0" smtClean="0"/>
-              <a:t>two different types of RNNs:</a:t>
+        <p:spPr>
+          <a:xfrm>
+            <a:off x="838200" y="1808847"/>
+            <a:ext cx="11200002" cy="4351338"/>
+          </a:xfrm>
+        </p:spPr>
+        <p:txBody>
+          <a:bodyPr>
+            <a:normAutofit lnSpcReduction="10000"/>
+          </a:bodyPr>
+          <a:lstStyle/>
+          <a:p>
+            <a:r>
+              <a:rPr lang="en-US" altLang="zh-CN" dirty="0" smtClean="0"/>
+              <a:t>Partially Observable Markov Decision Processes (POMDPs)</a:t>
             </a:r>
           </a:p>
           <a:p>
             <a:pPr lvl="1"/>
             <a:r>
               <a:rPr lang="en-US" altLang="zh-CN" dirty="0" smtClean="0"/>
-              <a:t>a vanilla RNN model with sigmoid units</a:t>
+              <a:t>the learner follows an open-ended path to arrive at a solution</a:t>
             </a:r>
           </a:p>
           <a:p>
             <a:pPr lvl="1"/>
             <a:r>
               <a:rPr lang="en-US" altLang="zh-CN" dirty="0" smtClean="0"/>
-              <a:t>a Long Short Term Memory model</a:t>
+              <a:t>require exploration of an exponentially large state space</a:t>
+            </a:r>
+          </a:p>
+          <a:p>
+            <a:pPr lvl="1"/>
+            <a:r>
+              <a:rPr lang="en-US" altLang="zh-CN" dirty="0" smtClean="0"/>
+              <a:t>current implementations:</a:t>
+            </a:r>
+          </a:p>
+          <a:p>
+            <a:pPr lvl="2"/>
+            <a:r>
+              <a:rPr lang="en-US" altLang="zh-CN" dirty="0" smtClean="0"/>
+              <a:t>restricted to a discrete state space</a:t>
+            </a:r>
+          </a:p>
+          <a:p>
+            <a:pPr lvl="2"/>
+            <a:r>
+              <a:rPr lang="en-US" altLang="zh-CN" dirty="0" smtClean="0"/>
+              <a:t>hard-coded meanings for latent variables</a:t>
+            </a:r>
+          </a:p>
+          <a:p>
+            <a:r>
+              <a:rPr lang="en-US" altLang="zh-CN" dirty="0" smtClean="0"/>
+              <a:t>Performance Factors Analysis (PFA) &amp; Learning Factors Analysis (LFA)</a:t>
+            </a:r>
+          </a:p>
+          <a:p>
+            <a:r>
+              <a:rPr lang="en-US" altLang="zh-CN" dirty="0" smtClean="0"/>
+              <a:t>Ensemble Models</a:t>
+            </a:r>
+          </a:p>
+          <a:p>
+            <a:pPr lvl="1"/>
+            <a:r>
+              <a:rPr lang="en-US" altLang="zh-CN" dirty="0" err="1" smtClean="0"/>
+              <a:t>AdaBoost</a:t>
+            </a:r>
+            <a:r>
+              <a:rPr lang="en-US" altLang="zh-CN" dirty="0" smtClean="0"/>
+              <a:t>, Random Forest, linear regression, logistic regression a feed-forward neural network</a:t>
+            </a:r>
+            <a:r>
+              <a:rPr lang="en-US" altLang="zh-CN" dirty="0"/>
+              <a:t>	</a:t>
+            </a:r>
+          </a:p>
+          <a:p>
+            <a:pPr lvl="1"/>
+            <a:r>
+              <a:rPr lang="en-US" altLang="zh-CN" dirty="0" smtClean="0"/>
+              <a:t>ensemble </a:t>
+            </a:r>
+            <a:r>
+              <a:rPr lang="en-US" altLang="zh-CN" dirty="0" smtClean="0"/>
+              <a:t>techniques </a:t>
+            </a:r>
+            <a:r>
+              <a:rPr lang="en-US" altLang="zh-CN" dirty="0" smtClean="0"/>
+              <a:t>require </a:t>
+            </a:r>
+            <a:r>
+              <a:rPr lang="en-US" altLang="zh-CN" dirty="0" smtClean="0"/>
+              <a:t>accurate concept labeling</a:t>
             </a:r>
             <a:endParaRPr lang="zh-CN" altLang="en-US" dirty="0"/>
           </a:p>
@@ -4280,7 +5808,7 @@
     </p:spTree>
     <p:extLst>
       <p:ext uri="{BB962C8B-B14F-4D97-AF65-F5344CB8AC3E}">
-        <p14:creationId xmlns:p14="http://schemas.microsoft.com/office/powerpoint/2010/main" val="1624923975"/>
+        <p14:creationId xmlns:p14="http://schemas.microsoft.com/office/powerpoint/2010/main" val="3438701947"/>
       </p:ext>
     </p:extLst>
   </p:cSld>
@@ -4324,7 +5852,7 @@
           <a:p>
             <a:r>
               <a:rPr lang="en-US" altLang="zh-CN" dirty="0" smtClean="0"/>
-              <a:t>Model</a:t>
+              <a:t>Recurrent Neural Networks</a:t>
             </a:r>
             <a:endParaRPr lang="zh-CN" altLang="en-US" dirty="0"/>
           </a:p>
@@ -4347,124 +5875,49 @@
           <a:p>
             <a:r>
               <a:rPr lang="en-US" altLang="zh-CN" dirty="0" smtClean="0"/>
-              <a:t>inputs:</a:t>
-            </a:r>
-          </a:p>
-          <a:p>
-            <a:pPr lvl="1"/>
-            <a:r>
-              <a:rPr lang="en-US" altLang="zh-CN" dirty="0" smtClean="0"/>
-              <a:t>one-hot encodings (with a small M of unique exercises)</a:t>
-            </a:r>
-          </a:p>
-          <a:p>
-            <a:pPr lvl="2"/>
-            <a:r>
-              <a:rPr lang="en-US" altLang="zh-CN" dirty="0" err="1" smtClean="0"/>
-              <a:t>x</a:t>
-            </a:r>
-            <a:r>
-              <a:rPr lang="en-US" altLang="zh-CN" baseline="-25000" dirty="0" err="1" smtClean="0"/>
-              <a:t>t</a:t>
-            </a:r>
-            <a:r>
-              <a:rPr lang="en-US" altLang="zh-CN" dirty="0" smtClean="0"/>
-              <a:t>∈{0, 1}</a:t>
-            </a:r>
-            <a:r>
-              <a:rPr lang="en-US" altLang="zh-CN" baseline="30000" dirty="0" smtClean="0"/>
-              <a:t>2M</a:t>
-            </a:r>
-          </a:p>
-          <a:p>
-            <a:pPr lvl="1"/>
-            <a:r>
-              <a:rPr lang="en-US" altLang="zh-CN" dirty="0" smtClean="0"/>
-              <a:t>compressed representations of a student action (for large feature spaces)</a:t>
-            </a:r>
-          </a:p>
-          <a:p>
-            <a:pPr lvl="2"/>
-            <a:r>
-              <a:rPr lang="en-US" altLang="zh-CN" dirty="0" smtClean="0"/>
-              <a:t>random vector </a:t>
-            </a:r>
-            <a:r>
-              <a:rPr lang="en-US" altLang="zh-CN" dirty="0" err="1" smtClean="0"/>
-              <a:t>n</a:t>
-            </a:r>
-            <a:r>
-              <a:rPr lang="en-US" altLang="zh-CN" baseline="-25000" dirty="0" err="1" smtClean="0"/>
-              <a:t>q,a</a:t>
-            </a:r>
-            <a:r>
-              <a:rPr lang="en-US" altLang="zh-CN" dirty="0" smtClean="0"/>
-              <a:t>~ </a:t>
-            </a:r>
-            <a:r>
-              <a:rPr lang="en-US" altLang="zh-CN" dirty="0"/>
-              <a:t>N</a:t>
-            </a:r>
-            <a:r>
-              <a:rPr lang="en-US" altLang="zh-CN" dirty="0" smtClean="0"/>
-              <a:t>(0, I)</a:t>
-            </a:r>
-          </a:p>
-          <a:p>
-            <a:pPr lvl="2"/>
-            <a:r>
-              <a:rPr lang="en-US" altLang="zh-CN" dirty="0" err="1" smtClean="0"/>
-              <a:t>n</a:t>
-            </a:r>
-            <a:r>
-              <a:rPr lang="en-US" altLang="zh-CN" baseline="-25000" dirty="0" err="1" smtClean="0"/>
-              <a:t>q,a</a:t>
-            </a:r>
-            <a:r>
-              <a:rPr lang="en-US" altLang="zh-CN" dirty="0" err="1" smtClean="0"/>
-              <a:t>∈R</a:t>
-            </a:r>
-            <a:r>
-              <a:rPr lang="en-US" altLang="zh-CN" baseline="30000" dirty="0" err="1" smtClean="0"/>
-              <a:t>N</a:t>
-            </a:r>
-            <a:r>
-              <a:rPr lang="en-US" altLang="zh-CN" dirty="0" smtClean="0"/>
-              <a:t>, N &lt;&lt; M</a:t>
-            </a:r>
-          </a:p>
-          <a:p>
-            <a:pPr lvl="2"/>
-            <a:r>
-              <a:rPr lang="en-US" altLang="zh-CN" dirty="0" err="1"/>
-              <a:t>x</a:t>
-            </a:r>
-            <a:r>
-              <a:rPr lang="en-US" altLang="zh-CN" baseline="30000" dirty="0" err="1" smtClean="0"/>
-              <a:t>t</a:t>
-            </a:r>
-            <a:r>
-              <a:rPr lang="en-US" altLang="zh-CN" dirty="0" smtClean="0"/>
-              <a:t> = </a:t>
-            </a:r>
-            <a:r>
-              <a:rPr lang="en-US" altLang="zh-CN" dirty="0" err="1" smtClean="0"/>
-              <a:t>n</a:t>
-            </a:r>
-            <a:r>
-              <a:rPr lang="en-US" altLang="zh-CN" baseline="-25000" dirty="0" err="1" smtClean="0"/>
-              <a:t>qt</a:t>
-            </a:r>
-            <a:r>
-              <a:rPr lang="en-US" altLang="zh-CN" dirty="0" smtClean="0"/>
-              <a:t>, a</a:t>
-            </a:r>
-            <a:r>
-              <a:rPr lang="en-US" altLang="zh-CN" baseline="-25000" dirty="0" smtClean="0"/>
-              <a:t>t</a:t>
-            </a:r>
-          </a:p>
-          <a:p>
+              <a:t>flexible dynamic </a:t>
+            </a:r>
+            <a:r>
+              <a:rPr lang="en-US" altLang="zh-CN" dirty="0" smtClean="0"/>
+              <a:t>models which connect </a:t>
+            </a:r>
+            <a:r>
+              <a:rPr lang="en-US" altLang="zh-CN" dirty="0" smtClean="0"/>
+              <a:t>artificial neurons over </a:t>
+            </a:r>
+            <a:r>
+              <a:rPr lang="en-US" altLang="zh-CN" dirty="0" smtClean="0"/>
+              <a:t>times</a:t>
+            </a:r>
+          </a:p>
+          <a:p>
+            <a:r>
+              <a:rPr lang="en-US" altLang="zh-CN" dirty="0" smtClean="0"/>
+              <a:t>the propagation of information is recursive in hidden neurons</a:t>
+            </a:r>
+          </a:p>
+          <a:p>
+            <a:r>
+              <a:rPr lang="en-US" altLang="zh-CN" dirty="0" smtClean="0"/>
+              <a:t>hidden neurons evolve based on both th</a:t>
+            </a:r>
+            <a:r>
+              <a:rPr lang="en-US" altLang="zh-CN" dirty="0" smtClean="0"/>
+              <a:t>e input and their previous activation</a:t>
+            </a:r>
+            <a:endParaRPr lang="en-US" altLang="zh-CN" dirty="0" smtClean="0"/>
+          </a:p>
+          <a:p>
+            <a:r>
+              <a:rPr lang="en-US" altLang="zh-CN" dirty="0" smtClean="0"/>
+              <a:t>hmm models are also dynamic, RNNs have a high dimensional, continuous, representation of latent state.</a:t>
+            </a:r>
+          </a:p>
+          <a:p>
+            <a:r>
+              <a:rPr lang="en-US" altLang="zh-CN" dirty="0" smtClean="0"/>
+              <a:t>RNNs can use information from an input in a prediction at a much later point in time.</a:t>
+            </a:r>
             <a:endParaRPr lang="zh-CN" altLang="en-US" dirty="0"/>
           </a:p>
         </p:txBody>
@@ -4472,7 +5925,7 @@
     </p:spTree>
     <p:extLst>
       <p:ext uri="{BB962C8B-B14F-4D97-AF65-F5344CB8AC3E}">
-        <p14:creationId xmlns:p14="http://schemas.microsoft.com/office/powerpoint/2010/main" val="2013632222"/>
+        <p14:creationId xmlns:p14="http://schemas.microsoft.com/office/powerpoint/2010/main" val="886762041"/>
       </p:ext>
     </p:extLst>
   </p:cSld>
